--- a/slides/slides.pptx
+++ b/slides/slides.pptx
@@ -9,10 +9,13 @@
     <p:sldId id="257" r:id="rId3"/>
     <p:sldId id="260" r:id="rId4"/>
     <p:sldId id="263" r:id="rId5"/>
-    <p:sldId id="264" r:id="rId6"/>
-    <p:sldId id="265" r:id="rId7"/>
-    <p:sldId id="262" r:id="rId8"/>
-    <p:sldId id="261" r:id="rId9"/>
+    <p:sldId id="262" r:id="rId6"/>
+    <p:sldId id="264" r:id="rId7"/>
+    <p:sldId id="265" r:id="rId8"/>
+    <p:sldId id="266" r:id="rId9"/>
+    <p:sldId id="267" r:id="rId10"/>
+    <p:sldId id="268" r:id="rId11"/>
+    <p:sldId id="261" r:id="rId12"/>
   </p:sldIdLst>
   <p:sldSz cx="12192000" cy="6858000"/>
   <p:notesSz cx="6858000" cy="9144000"/>
@@ -305,7 +308,7 @@
           <a:p>
             <a:fld id="{4AAD347D-5ACD-4C99-B74B-A9C85AD731AF}" type="datetimeFigureOut">
               <a:rPr lang="en-US" dirty="0"/>
-              <a:t>6/20/2023</a:t>
+              <a:t>6/30/2023</a:t>
             </a:fld>
             <a:endParaRPr lang="en-US" dirty="0"/>
           </a:p>
@@ -575,7 +578,7 @@
           <a:p>
             <a:fld id="{4509A250-FF31-4206-8172-F9D3106AACB1}" type="datetimeFigureOut">
               <a:rPr lang="en-US" dirty="0"/>
-              <a:t>6/20/2023</a:t>
+              <a:t>6/30/2023</a:t>
             </a:fld>
             <a:endParaRPr lang="en-US" dirty="0"/>
           </a:p>
@@ -764,7 +767,7 @@
           <a:p>
             <a:fld id="{4509A250-FF31-4206-8172-F9D3106AACB1}" type="datetimeFigureOut">
               <a:rPr lang="en-US" dirty="0"/>
-              <a:t>6/20/2023</a:t>
+              <a:t>6/30/2023</a:t>
             </a:fld>
             <a:endParaRPr lang="en-US" dirty="0"/>
           </a:p>
@@ -1032,7 +1035,7 @@
           <a:p>
             <a:fld id="{4509A250-FF31-4206-8172-F9D3106AACB1}" type="datetimeFigureOut">
               <a:rPr lang="en-US" dirty="0"/>
-              <a:t>6/20/2023</a:t>
+              <a:t>6/30/2023</a:t>
             </a:fld>
             <a:endParaRPr lang="en-US" dirty="0"/>
           </a:p>
@@ -1368,7 +1371,7 @@
           <a:p>
             <a:fld id="{4509A250-FF31-4206-8172-F9D3106AACB1}" type="datetimeFigureOut">
               <a:rPr lang="en-US" dirty="0"/>
-              <a:t>6/20/2023</a:t>
+              <a:t>6/30/2023</a:t>
             </a:fld>
             <a:endParaRPr lang="en-US" dirty="0"/>
           </a:p>
@@ -1986,7 +1989,7 @@
           <a:p>
             <a:fld id="{4509A250-FF31-4206-8172-F9D3106AACB1}" type="datetimeFigureOut">
               <a:rPr lang="en-US" dirty="0"/>
-              <a:t>6/20/2023</a:t>
+              <a:t>6/30/2023</a:t>
             </a:fld>
             <a:endParaRPr lang="en-US" dirty="0"/>
           </a:p>
@@ -2841,7 +2844,7 @@
           <a:p>
             <a:fld id="{4509A250-FF31-4206-8172-F9D3106AACB1}" type="datetimeFigureOut">
               <a:rPr lang="en-US" dirty="0"/>
-              <a:t>6/20/2023</a:t>
+              <a:t>6/30/2023</a:t>
             </a:fld>
             <a:endParaRPr lang="en-US" dirty="0"/>
           </a:p>
@@ -3006,7 +3009,7 @@
           <a:p>
             <a:fld id="{4509A250-FF31-4206-8172-F9D3106AACB1}" type="datetimeFigureOut">
               <a:rPr lang="en-US" dirty="0"/>
-              <a:t>6/20/2023</a:t>
+              <a:t>6/30/2023</a:t>
             </a:fld>
             <a:endParaRPr lang="en-US" dirty="0"/>
           </a:p>
@@ -3181,7 +3184,7 @@
           <a:p>
             <a:fld id="{4509A250-FF31-4206-8172-F9D3106AACB1}" type="datetimeFigureOut">
               <a:rPr lang="en-US" dirty="0"/>
-              <a:t>6/20/2023</a:t>
+              <a:t>6/30/2023</a:t>
             </a:fld>
             <a:endParaRPr lang="en-US" dirty="0"/>
           </a:p>
@@ -3346,7 +3349,7 @@
           <a:p>
             <a:fld id="{4509A250-FF31-4206-8172-F9D3106AACB1}" type="datetimeFigureOut">
               <a:rPr lang="en-US" dirty="0"/>
-              <a:t>6/20/2023</a:t>
+              <a:t>6/30/2023</a:t>
             </a:fld>
             <a:endParaRPr lang="en-US" dirty="0"/>
           </a:p>
@@ -3588,7 +3591,7 @@
           <a:p>
             <a:fld id="{9796027F-7875-4030-9381-8BD8C4F21935}" type="datetimeFigureOut">
               <a:rPr lang="en-US" dirty="0"/>
-              <a:t>6/20/2023</a:t>
+              <a:t>6/30/2023</a:t>
             </a:fld>
             <a:endParaRPr lang="en-US" dirty="0"/>
           </a:p>
@@ -3875,7 +3878,7 @@
           <a:p>
             <a:fld id="{9796027F-7875-4030-9381-8BD8C4F21935}" type="datetimeFigureOut">
               <a:rPr lang="en-US" dirty="0"/>
-              <a:t>6/20/2023</a:t>
+              <a:t>6/30/2023</a:t>
             </a:fld>
             <a:endParaRPr lang="en-US" dirty="0"/>
           </a:p>
@@ -4314,7 +4317,7 @@
           <a:p>
             <a:fld id="{9796027F-7875-4030-9381-8BD8C4F21935}" type="datetimeFigureOut">
               <a:rPr lang="en-US" dirty="0"/>
-              <a:t>6/20/2023</a:t>
+              <a:t>6/30/2023</a:t>
             </a:fld>
             <a:endParaRPr lang="en-US" dirty="0"/>
           </a:p>
@@ -4427,7 +4430,7 @@
           <a:p>
             <a:fld id="{4509A250-FF31-4206-8172-F9D3106AACB1}" type="datetimeFigureOut">
               <a:rPr lang="en-US" dirty="0"/>
-              <a:t>6/20/2023</a:t>
+              <a:t>6/30/2023</a:t>
             </a:fld>
             <a:endParaRPr lang="en-US" dirty="0"/>
           </a:p>
@@ -4517,7 +4520,7 @@
           <a:p>
             <a:fld id="{4509A250-FF31-4206-8172-F9D3106AACB1}" type="datetimeFigureOut">
               <a:rPr lang="en-US" dirty="0"/>
-              <a:t>6/20/2023</a:t>
+              <a:t>6/30/2023</a:t>
             </a:fld>
             <a:endParaRPr lang="en-US" dirty="0"/>
           </a:p>
@@ -4791,7 +4794,7 @@
           <a:p>
             <a:fld id="{4509A250-FF31-4206-8172-F9D3106AACB1}" type="datetimeFigureOut">
               <a:rPr lang="en-US" dirty="0"/>
-              <a:t>6/20/2023</a:t>
+              <a:t>6/30/2023</a:t>
             </a:fld>
             <a:endParaRPr lang="en-US" dirty="0"/>
           </a:p>
@@ -5061,7 +5064,7 @@
           <a:p>
             <a:fld id="{4509A250-FF31-4206-8172-F9D3106AACB1}" type="datetimeFigureOut">
               <a:rPr lang="en-US" dirty="0"/>
-              <a:t>6/20/2023</a:t>
+              <a:t>6/30/2023</a:t>
             </a:fld>
             <a:endParaRPr lang="en-US" dirty="0"/>
           </a:p>
@@ -5485,7 +5488,7 @@
           <a:p>
             <a:fld id="{4AAD347D-5ACD-4C99-B74B-A9C85AD731AF}" type="datetimeFigureOut">
               <a:rPr lang="en-US" dirty="0"/>
-              <a:t>6/20/2023</a:t>
+              <a:t>6/30/2023</a:t>
             </a:fld>
             <a:endParaRPr lang="en-US" dirty="0"/>
           </a:p>
@@ -6026,11 +6029,7 @@
           <a:p>
             <a:r>
               <a:rPr lang="fr-FR" dirty="0" smtClean="0"/>
-              <a:t>Présentation </a:t>
-            </a:r>
-            <a:r>
-              <a:rPr lang="fr-FR" dirty="0" smtClean="0"/>
-              <a:t>P7</a:t>
+              <a:t>Présentation P7</a:t>
             </a:r>
             <a:endParaRPr lang="fr-FR" dirty="0"/>
           </a:p>
@@ -6058,13 +6057,8 @@
           <a:p>
             <a:r>
               <a:rPr lang="fr-FR" b="1" dirty="0" smtClean="0"/>
-              <a:t>Projet </a:t>
-            </a:r>
-            <a:r>
-              <a:rPr lang="fr-FR" b="1" dirty="0" smtClean="0"/>
-              <a:t>de recherche et d’optimisation d’algorithme sur le problème du sac A dos</a:t>
-            </a:r>
-            <a:endParaRPr lang="fr-FR" b="1" dirty="0" smtClean="0"/>
+              <a:t>Projet de recherche et d’optimisation d’algorithme sur le problème du sac A dos</a:t>
+            </a:r>
           </a:p>
           <a:p>
             <a:endParaRPr lang="fr-FR" b="1" dirty="0"/>
@@ -6112,6 +6106,351 @@
     <p:extLst>
       <p:ext uri="{BB962C8B-B14F-4D97-AF65-F5344CB8AC3E}">
         <p14:creationId xmlns:p14="http://schemas.microsoft.com/office/powerpoint/2010/main" val="1557907683"/>
+      </p:ext>
+    </p:extLst>
+  </p:cSld>
+  <p:clrMapOvr>
+    <a:masterClrMapping/>
+  </p:clrMapOvr>
+  <p:timing>
+    <p:tnLst>
+      <p:par>
+        <p:cTn id="1" dur="indefinite" restart="never" nodeType="tmRoot"/>
+      </p:par>
+    </p:tnLst>
+  </p:timing>
+</p:sld>
+</file>
+
+<file path=ppt/slides/slide10.xml><?xml version="1.0" encoding="utf-8"?>
+<p:sld xmlns:a="http://schemas.openxmlformats.org/drawingml/2006/main" xmlns:r="http://schemas.openxmlformats.org/officeDocument/2006/relationships" xmlns:p="http://schemas.openxmlformats.org/presentationml/2006/main">
+  <p:cSld>
+    <p:spTree>
+      <p:nvGrpSpPr>
+        <p:cNvPr id="1" name=""/>
+        <p:cNvGrpSpPr/>
+        <p:nvPr/>
+      </p:nvGrpSpPr>
+      <p:grpSpPr>
+        <a:xfrm>
+          <a:off x="0" y="0"/>
+          <a:ext cx="0" cy="0"/>
+          <a:chOff x="0" y="0"/>
+          <a:chExt cx="0" cy="0"/>
+        </a:xfrm>
+      </p:grpSpPr>
+      <p:sp>
+        <p:nvSpPr>
+          <p:cNvPr id="2" name="Titre 1"/>
+          <p:cNvSpPr>
+            <a:spLocks noGrp="1"/>
+          </p:cNvSpPr>
+          <p:nvPr>
+            <p:ph type="title"/>
+          </p:nvPr>
+        </p:nvSpPr>
+        <p:spPr>
+          <a:xfrm>
+            <a:off x="251479" y="82203"/>
+            <a:ext cx="11216272" cy="1167757"/>
+          </a:xfrm>
+        </p:spPr>
+        <p:txBody>
+          <a:bodyPr/>
+          <a:lstStyle/>
+          <a:p>
+            <a:pPr algn="ctr"/>
+            <a:r>
+              <a:rPr lang="fr-FR" sz="2800" b="1" dirty="0" smtClean="0"/>
+              <a:t>Comparaison sur dataset2.csv</a:t>
+            </a:r>
+            <a:br>
+              <a:rPr lang="fr-FR" sz="2800" b="1" dirty="0" smtClean="0"/>
+            </a:br>
+            <a:r>
+              <a:rPr lang="fr-FR" sz="2800" b="1" dirty="0" smtClean="0"/>
+              <a:t>Mes résultats 							 Résultat Sienna</a:t>
+            </a:r>
+            <a:endParaRPr lang="fr-FR" sz="2800" b="1" dirty="0"/>
+          </a:p>
+        </p:txBody>
+      </p:sp>
+      <p:pic>
+        <p:nvPicPr>
+          <p:cNvPr id="4" name="Image 3"/>
+          <p:cNvPicPr>
+            <a:picLocks noChangeAspect="1"/>
+          </p:cNvPicPr>
+          <p:nvPr/>
+        </p:nvPicPr>
+        <p:blipFill>
+          <a:blip r:embed="rId2"/>
+          <a:stretch>
+            <a:fillRect/>
+          </a:stretch>
+        </p:blipFill>
+        <p:spPr>
+          <a:xfrm>
+            <a:off x="7378364" y="983854"/>
+            <a:ext cx="2985988" cy="5619201"/>
+          </a:xfrm>
+          <a:prstGeom prst="rect">
+            <a:avLst/>
+          </a:prstGeom>
+        </p:spPr>
+      </p:pic>
+      <p:pic>
+        <p:nvPicPr>
+          <p:cNvPr id="5" name="Image 4"/>
+          <p:cNvPicPr>
+            <a:picLocks noChangeAspect="1"/>
+          </p:cNvPicPr>
+          <p:nvPr/>
+        </p:nvPicPr>
+        <p:blipFill>
+          <a:blip r:embed="rId3"/>
+          <a:stretch>
+            <a:fillRect/>
+          </a:stretch>
+        </p:blipFill>
+        <p:spPr>
+          <a:xfrm>
+            <a:off x="0" y="983854"/>
+            <a:ext cx="5372850" cy="2086266"/>
+          </a:xfrm>
+          <a:prstGeom prst="rect">
+            <a:avLst/>
+          </a:prstGeom>
+        </p:spPr>
+      </p:pic>
+      <p:pic>
+        <p:nvPicPr>
+          <p:cNvPr id="6" name="Image 5"/>
+          <p:cNvPicPr>
+            <a:picLocks noChangeAspect="1"/>
+          </p:cNvPicPr>
+          <p:nvPr/>
+        </p:nvPicPr>
+        <p:blipFill>
+          <a:blip r:embed="rId4"/>
+          <a:stretch>
+            <a:fillRect/>
+          </a:stretch>
+        </p:blipFill>
+        <p:spPr>
+          <a:xfrm>
+            <a:off x="0" y="2455886"/>
+            <a:ext cx="5372850" cy="696480"/>
+          </a:xfrm>
+          <a:prstGeom prst="rect">
+            <a:avLst/>
+          </a:prstGeom>
+        </p:spPr>
+      </p:pic>
+      <p:sp>
+        <p:nvSpPr>
+          <p:cNvPr id="8" name="Rectangle à coins arrondis 7"/>
+          <p:cNvSpPr/>
+          <p:nvPr/>
+        </p:nvSpPr>
+        <p:spPr>
+          <a:xfrm>
+            <a:off x="2763520" y="2455886"/>
+            <a:ext cx="1115082" cy="655357"/>
+          </a:xfrm>
+          <a:prstGeom prst="roundRect">
+            <a:avLst/>
+          </a:prstGeom>
+          <a:noFill/>
+          <a:ln w="50800">
+            <a:solidFill>
+              <a:srgbClr val="FF0000"/>
+            </a:solidFill>
+          </a:ln>
+        </p:spPr>
+        <p:style>
+          <a:lnRef idx="2">
+            <a:schemeClr val="accent1">
+              <a:shade val="50000"/>
+            </a:schemeClr>
+          </a:lnRef>
+          <a:fillRef idx="1">
+            <a:schemeClr val="accent1"/>
+          </a:fillRef>
+          <a:effectRef idx="0">
+            <a:schemeClr val="accent1"/>
+          </a:effectRef>
+          <a:fontRef idx="minor">
+            <a:schemeClr val="lt1"/>
+          </a:fontRef>
+        </p:style>
+        <p:txBody>
+          <a:bodyPr rtlCol="0" anchor="ctr"/>
+          <a:lstStyle/>
+          <a:p>
+            <a:pPr algn="ctr"/>
+            <a:endParaRPr lang="fr-FR"/>
+          </a:p>
+        </p:txBody>
+      </p:sp>
+      <p:sp>
+        <p:nvSpPr>
+          <p:cNvPr id="14" name="Rectangle à coins arrondis 13"/>
+          <p:cNvSpPr/>
+          <p:nvPr/>
+        </p:nvSpPr>
+        <p:spPr>
+          <a:xfrm>
+            <a:off x="7378364" y="5993095"/>
+            <a:ext cx="1793598" cy="377504"/>
+          </a:xfrm>
+          <a:prstGeom prst="roundRect">
+            <a:avLst/>
+          </a:prstGeom>
+          <a:noFill/>
+          <a:ln w="50800">
+            <a:solidFill>
+              <a:srgbClr val="FF0000"/>
+            </a:solidFill>
+          </a:ln>
+        </p:spPr>
+        <p:style>
+          <a:lnRef idx="2">
+            <a:schemeClr val="accent1">
+              <a:shade val="50000"/>
+            </a:schemeClr>
+          </a:lnRef>
+          <a:fillRef idx="1">
+            <a:schemeClr val="accent1"/>
+          </a:fillRef>
+          <a:effectRef idx="0">
+            <a:schemeClr val="accent1"/>
+          </a:effectRef>
+          <a:fontRef idx="minor">
+            <a:schemeClr val="lt1"/>
+          </a:fontRef>
+        </p:style>
+        <p:txBody>
+          <a:bodyPr rtlCol="0" anchor="ctr"/>
+          <a:lstStyle/>
+          <a:p>
+            <a:pPr algn="ctr"/>
+            <a:endParaRPr lang="fr-FR"/>
+          </a:p>
+        </p:txBody>
+      </p:sp>
+      <p:pic>
+        <p:nvPicPr>
+          <p:cNvPr id="9" name="Image 8"/>
+          <p:cNvPicPr>
+            <a:picLocks noChangeAspect="1"/>
+          </p:cNvPicPr>
+          <p:nvPr/>
+        </p:nvPicPr>
+        <p:blipFill>
+          <a:blip r:embed="rId5"/>
+          <a:stretch>
+            <a:fillRect/>
+          </a:stretch>
+        </p:blipFill>
+        <p:spPr>
+          <a:xfrm>
+            <a:off x="0" y="3266666"/>
+            <a:ext cx="2475908" cy="3591334"/>
+          </a:xfrm>
+          <a:prstGeom prst="rect">
+            <a:avLst/>
+          </a:prstGeom>
+        </p:spPr>
+      </p:pic>
+      <p:pic>
+        <p:nvPicPr>
+          <p:cNvPr id="15" name="Image 14"/>
+          <p:cNvPicPr>
+            <a:picLocks noChangeAspect="1"/>
+          </p:cNvPicPr>
+          <p:nvPr/>
+        </p:nvPicPr>
+        <p:blipFill>
+          <a:blip r:embed="rId6"/>
+          <a:stretch>
+            <a:fillRect/>
+          </a:stretch>
+        </p:blipFill>
+        <p:spPr>
+          <a:xfrm>
+            <a:off x="2763520" y="3266667"/>
+            <a:ext cx="2329033" cy="3591334"/>
+          </a:xfrm>
+          <a:prstGeom prst="rect">
+            <a:avLst/>
+          </a:prstGeom>
+        </p:spPr>
+      </p:pic>
+    </p:spTree>
+    <p:extLst>
+      <p:ext uri="{BB962C8B-B14F-4D97-AF65-F5344CB8AC3E}">
+        <p14:creationId xmlns:p14="http://schemas.microsoft.com/office/powerpoint/2010/main" val="2962449777"/>
+      </p:ext>
+    </p:extLst>
+  </p:cSld>
+  <p:clrMapOvr>
+    <a:masterClrMapping/>
+  </p:clrMapOvr>
+  <p:timing>
+    <p:tnLst>
+      <p:par>
+        <p:cTn id="1" dur="indefinite" restart="never" nodeType="tmRoot"/>
+      </p:par>
+    </p:tnLst>
+  </p:timing>
+</p:sld>
+</file>
+
+<file path=ppt/slides/slide11.xml><?xml version="1.0" encoding="utf-8"?>
+<p:sld xmlns:a="http://schemas.openxmlformats.org/drawingml/2006/main" xmlns:r="http://schemas.openxmlformats.org/officeDocument/2006/relationships" xmlns:p="http://schemas.openxmlformats.org/presentationml/2006/main">
+  <p:cSld>
+    <p:spTree>
+      <p:nvGrpSpPr>
+        <p:cNvPr id="1" name=""/>
+        <p:cNvGrpSpPr/>
+        <p:nvPr/>
+      </p:nvGrpSpPr>
+      <p:grpSpPr>
+        <a:xfrm>
+          <a:off x="0" y="0"/>
+          <a:ext cx="0" cy="0"/>
+          <a:chOff x="0" y="0"/>
+          <a:chExt cx="0" cy="0"/>
+        </a:xfrm>
+      </p:grpSpPr>
+      <p:sp>
+        <p:nvSpPr>
+          <p:cNvPr id="2" name="Titre 1"/>
+          <p:cNvSpPr>
+            <a:spLocks noGrp="1"/>
+          </p:cNvSpPr>
+          <p:nvPr>
+            <p:ph type="title"/>
+          </p:nvPr>
+        </p:nvSpPr>
+        <p:spPr/>
+        <p:txBody>
+          <a:bodyPr/>
+          <a:lstStyle/>
+          <a:p>
+            <a:r>
+              <a:rPr lang="fr-FR" dirty="0" smtClean="0"/>
+              <a:t>Fin </a:t>
+            </a:r>
+            <a:endParaRPr lang="fr-FR" dirty="0"/>
+          </a:p>
+        </p:txBody>
+      </p:sp>
+    </p:spTree>
+    <p:extLst>
+      <p:ext uri="{BB962C8B-B14F-4D97-AF65-F5344CB8AC3E}">
+        <p14:creationId xmlns:p14="http://schemas.microsoft.com/office/powerpoint/2010/main" val="64184691"/>
       </p:ext>
     </p:extLst>
   </p:cSld>
@@ -6292,6 +6631,7 @@
               <a:rPr lang="fr-FR" u="sng" dirty="0" smtClean="0"/>
               <a:t>Inconvénients :</a:t>
             </a:r>
+            <a:endParaRPr lang="fr-FR" u="sng" dirty="0" smtClean="0"/>
           </a:p>
           <a:p>
             <a:endParaRPr lang="fr-FR" dirty="0" smtClean="0"/>
@@ -6524,8 +6864,8 @@
         </p:nvSpPr>
         <p:spPr>
           <a:xfrm>
-            <a:off x="150811" y="1209675"/>
-            <a:ext cx="11679239" cy="5486400"/>
+            <a:off x="150812" y="1209675"/>
+            <a:ext cx="9085468" cy="5486400"/>
           </a:xfrm>
           <a:prstGeom prst="rect">
             <a:avLst/>
@@ -6901,6 +7241,594 @@
           </a:p>
         </p:txBody>
       </p:sp>
+      <p:sp>
+        <p:nvSpPr>
+          <p:cNvPr id="4" name="Titre 1"/>
+          <p:cNvSpPr txBox="1">
+            <a:spLocks/>
+          </p:cNvSpPr>
+          <p:nvPr/>
+        </p:nvSpPr>
+        <p:spPr>
+          <a:xfrm>
+            <a:off x="150811" y="1209675"/>
+            <a:ext cx="8808631" cy="5486400"/>
+          </a:xfrm>
+          <a:prstGeom prst="rect">
+            <a:avLst/>
+          </a:prstGeom>
+        </p:spPr>
+        <p:txBody>
+          <a:bodyPr vert="horz" lIns="91440" tIns="45720" rIns="91440" bIns="45720" rtlCol="0" anchor="t">
+            <a:noAutofit/>
+          </a:bodyPr>
+          <a:lstStyle>
+            <a:lvl1pPr algn="l" defTabSz="457200" rtl="0" eaLnBrk="1" latinLnBrk="0" hangingPunct="1">
+              <a:spcBef>
+                <a:spcPct val="0"/>
+              </a:spcBef>
+              <a:buNone/>
+              <a:defRPr sz="4200" b="0" i="0" kern="1200">
+                <a:solidFill>
+                  <a:schemeClr val="tx2"/>
+                </a:solidFill>
+                <a:latin typeface="+mj-lt"/>
+                <a:ea typeface="+mj-ea"/>
+                <a:cs typeface="+mj-cs"/>
+              </a:defRPr>
+            </a:lvl1pPr>
+            <a:lvl2pPr eaLnBrk="1" hangingPunct="1">
+              <a:defRPr>
+                <a:solidFill>
+                  <a:schemeClr val="tx2"/>
+                </a:solidFill>
+              </a:defRPr>
+            </a:lvl2pPr>
+            <a:lvl3pPr eaLnBrk="1" hangingPunct="1">
+              <a:defRPr>
+                <a:solidFill>
+                  <a:schemeClr val="tx2"/>
+                </a:solidFill>
+              </a:defRPr>
+            </a:lvl3pPr>
+            <a:lvl4pPr eaLnBrk="1" hangingPunct="1">
+              <a:defRPr>
+                <a:solidFill>
+                  <a:schemeClr val="tx2"/>
+                </a:solidFill>
+              </a:defRPr>
+            </a:lvl4pPr>
+            <a:lvl5pPr eaLnBrk="1" hangingPunct="1">
+              <a:defRPr>
+                <a:solidFill>
+                  <a:schemeClr val="tx2"/>
+                </a:solidFill>
+              </a:defRPr>
+            </a:lvl5pPr>
+            <a:lvl6pPr eaLnBrk="1" hangingPunct="1">
+              <a:defRPr>
+                <a:solidFill>
+                  <a:schemeClr val="tx2"/>
+                </a:solidFill>
+              </a:defRPr>
+            </a:lvl6pPr>
+            <a:lvl7pPr eaLnBrk="1" hangingPunct="1">
+              <a:defRPr>
+                <a:solidFill>
+                  <a:schemeClr val="tx2"/>
+                </a:solidFill>
+              </a:defRPr>
+            </a:lvl7pPr>
+            <a:lvl8pPr eaLnBrk="1" hangingPunct="1">
+              <a:defRPr>
+                <a:solidFill>
+                  <a:schemeClr val="tx2"/>
+                </a:solidFill>
+              </a:defRPr>
+            </a:lvl8pPr>
+            <a:lvl9pPr eaLnBrk="1" hangingPunct="1">
+              <a:defRPr>
+                <a:solidFill>
+                  <a:schemeClr val="tx2"/>
+                </a:solidFill>
+              </a:defRPr>
+            </a:lvl9pPr>
+          </a:lstStyle>
+          <a:p>
+            <a:r>
+              <a:rPr lang="fr-FR" sz="1600" dirty="0"/>
+              <a:t>n</a:t>
+            </a:r>
+            <a:r>
+              <a:rPr lang="fr-FR" sz="1600" dirty="0" smtClean="0"/>
+              <a:t>oms = [ élément 1, élément 2, …,  élément x ]</a:t>
+            </a:r>
+          </a:p>
+          <a:p>
+            <a:r>
+              <a:rPr lang="fr-FR" sz="1600" dirty="0" smtClean="0"/>
+              <a:t>poids = [ poids 1, poids 2, …, poids x ]</a:t>
+            </a:r>
+          </a:p>
+          <a:p>
+            <a:r>
+              <a:rPr lang="fr-FR" sz="1600" dirty="0"/>
+              <a:t>v</a:t>
+            </a:r>
+            <a:r>
+              <a:rPr lang="fr-FR" sz="1600" dirty="0" smtClean="0"/>
+              <a:t>aleurs = [ valeur 1, valeur 2, …, valeur x ]</a:t>
+            </a:r>
+          </a:p>
+          <a:p>
+            <a:endParaRPr lang="fr-FR" sz="1600" dirty="0" smtClean="0"/>
+          </a:p>
+          <a:p>
+            <a:endParaRPr lang="fr-FR" sz="1600" dirty="0" smtClean="0"/>
+          </a:p>
+          <a:p>
+            <a:r>
+              <a:rPr lang="fr-FR" sz="1600" dirty="0" smtClean="0"/>
+              <a:t>Initialiser à 0 une ‘matrice’ avec ‘x’ ligne et ‘y’ colonnes:</a:t>
+            </a:r>
+          </a:p>
+          <a:p>
+            <a:pPr marL="285750" indent="-285750">
+              <a:buFont typeface="Arial" panose="020B0604020202020204" pitchFamily="34" charset="0"/>
+              <a:buChar char="•"/>
+            </a:pPr>
+            <a:r>
+              <a:rPr lang="fr-FR" sz="1600" dirty="0" smtClean="0"/>
+              <a:t>où ‘x’ représente le nombre d’élément +1 </a:t>
+            </a:r>
+          </a:p>
+          <a:p>
+            <a:pPr marL="285750" indent="-285750">
+              <a:buFont typeface="Arial" panose="020B0604020202020204" pitchFamily="34" charset="0"/>
+              <a:buChar char="•"/>
+            </a:pPr>
+            <a:r>
+              <a:rPr lang="fr-FR" sz="1600" dirty="0"/>
+              <a:t>o</a:t>
+            </a:r>
+            <a:r>
+              <a:rPr lang="fr-FR" sz="1600" dirty="0" smtClean="0"/>
+              <a:t>ù ‘y’ représente la capacité +1 du sac à dos</a:t>
+            </a:r>
+          </a:p>
+          <a:p>
+            <a:endParaRPr lang="fr-FR" sz="1600" dirty="0"/>
+          </a:p>
+          <a:p>
+            <a:endParaRPr lang="fr-FR" sz="1600" dirty="0" smtClean="0"/>
+          </a:p>
+          <a:p>
+            <a:r>
+              <a:rPr lang="fr-FR" sz="1600" b="1" dirty="0"/>
+              <a:t>p</a:t>
+            </a:r>
+            <a:r>
+              <a:rPr lang="fr-FR" sz="1600" b="1" dirty="0" smtClean="0"/>
+              <a:t>our</a:t>
+            </a:r>
+            <a:r>
+              <a:rPr lang="fr-FR" sz="1600" dirty="0" smtClean="0"/>
+              <a:t> chaque éléments i de 0 à x + 1 :</a:t>
+            </a:r>
+          </a:p>
+          <a:p>
+            <a:r>
+              <a:rPr lang="fr-FR" sz="1600" dirty="0"/>
+              <a:t>	</a:t>
+            </a:r>
+            <a:r>
+              <a:rPr lang="fr-FR" sz="1600" b="1" dirty="0" smtClean="0"/>
+              <a:t>pour</a:t>
+            </a:r>
+            <a:r>
+              <a:rPr lang="fr-FR" sz="1600" dirty="0" smtClean="0"/>
+              <a:t> chaque capacité de sac à dos possible j de 0 à y +1 :</a:t>
+            </a:r>
+          </a:p>
+          <a:p>
+            <a:r>
+              <a:rPr lang="fr-FR" sz="1600" dirty="0"/>
+              <a:t>	</a:t>
+            </a:r>
+            <a:r>
+              <a:rPr lang="fr-FR" sz="1600" dirty="0" smtClean="0"/>
+              <a:t>	</a:t>
+            </a:r>
+            <a:r>
+              <a:rPr lang="fr-FR" sz="1600" b="1" dirty="0" smtClean="0"/>
+              <a:t>si</a:t>
+            </a:r>
+            <a:r>
+              <a:rPr lang="fr-FR" sz="1600" dirty="0" smtClean="0"/>
+              <a:t> le poids[ i – 1 ] &lt;=  j :</a:t>
+            </a:r>
+          </a:p>
+          <a:p>
+            <a:r>
+              <a:rPr lang="fr-FR" sz="1600" dirty="0" smtClean="0"/>
+              <a:t>			matrice[ i ][ j ] = max ( matrice[ i – 1 ][ j ], </a:t>
+            </a:r>
+          </a:p>
+          <a:p>
+            <a:r>
+              <a:rPr lang="fr-FR" sz="1600" dirty="0"/>
+              <a:t>	</a:t>
+            </a:r>
+            <a:r>
+              <a:rPr lang="fr-FR" sz="1600" dirty="0" smtClean="0"/>
+              <a:t>							matrice</a:t>
+            </a:r>
+            <a:r>
+              <a:rPr lang="en-US" sz="1600" dirty="0" smtClean="0"/>
+              <a:t> </a:t>
+            </a:r>
+            <a:r>
+              <a:rPr lang="fr-FR" sz="1600" dirty="0"/>
+              <a:t>[ i – 1 ] </a:t>
+            </a:r>
+            <a:r>
+              <a:rPr lang="en-US" sz="1600" dirty="0" smtClean="0"/>
+              <a:t>[ j</a:t>
+            </a:r>
+            <a:r>
+              <a:rPr lang="fr-FR" sz="1600" dirty="0"/>
+              <a:t> – </a:t>
+            </a:r>
+            <a:r>
+              <a:rPr lang="en-US" sz="1600" dirty="0" smtClean="0"/>
+              <a:t>poids</a:t>
+            </a:r>
+            <a:r>
+              <a:rPr lang="fr-FR" sz="1600" dirty="0" smtClean="0"/>
+              <a:t> </a:t>
+            </a:r>
+            <a:r>
+              <a:rPr lang="fr-FR" sz="1600" dirty="0"/>
+              <a:t>[ i – 1 </a:t>
+            </a:r>
+            <a:r>
+              <a:rPr lang="fr-FR" sz="1600" dirty="0" smtClean="0"/>
+              <a:t>]</a:t>
+            </a:r>
+            <a:r>
+              <a:rPr lang="en-US" sz="1600" dirty="0" smtClean="0"/>
+              <a:t>] </a:t>
+            </a:r>
+            <a:r>
+              <a:rPr lang="en-US" sz="1600" dirty="0"/>
+              <a:t>+ </a:t>
+            </a:r>
+            <a:r>
+              <a:rPr lang="en-US" sz="1600" dirty="0" smtClean="0"/>
+              <a:t>valeurs</a:t>
+            </a:r>
+            <a:r>
+              <a:rPr lang="fr-FR" sz="1600" dirty="0" smtClean="0"/>
+              <a:t> </a:t>
+            </a:r>
+            <a:r>
+              <a:rPr lang="fr-FR" sz="1600" dirty="0"/>
+              <a:t>[ i – 1 ]</a:t>
+            </a:r>
+            <a:r>
+              <a:rPr lang="fr-FR" sz="1600" dirty="0" smtClean="0"/>
+              <a:t> )	</a:t>
+            </a:r>
+          </a:p>
+          <a:p>
+            <a:r>
+              <a:rPr lang="fr-FR" sz="1600" dirty="0"/>
+              <a:t>	</a:t>
+            </a:r>
+            <a:r>
+              <a:rPr lang="fr-FR" sz="1600" dirty="0" smtClean="0"/>
+              <a:t>	</a:t>
+            </a:r>
+            <a:r>
+              <a:rPr lang="fr-FR" sz="1600" b="1" dirty="0" smtClean="0"/>
+              <a:t>sinon : </a:t>
+            </a:r>
+            <a:r>
+              <a:rPr lang="fr-FR" sz="1600" dirty="0"/>
+              <a:t>matrice[ i ][ j ] </a:t>
+            </a:r>
+            <a:r>
+              <a:rPr lang="fr-FR" sz="1600" dirty="0" smtClean="0"/>
+              <a:t>= </a:t>
+            </a:r>
+            <a:r>
+              <a:rPr lang="fr-FR" sz="1600" dirty="0"/>
+              <a:t>matrice[ i – 1 ][ j </a:t>
+            </a:r>
+            <a:r>
+              <a:rPr lang="fr-FR" sz="1600" dirty="0" smtClean="0"/>
+              <a:t>]</a:t>
+            </a:r>
+          </a:p>
+          <a:p>
+            <a:r>
+              <a:rPr lang="fr-FR" sz="1600" dirty="0"/>
+              <a:t>	</a:t>
+            </a:r>
+            <a:r>
+              <a:rPr lang="fr-FR" sz="1600" dirty="0" smtClean="0"/>
+              <a:t>	</a:t>
+            </a:r>
+            <a:r>
+              <a:rPr lang="fr-FR" sz="1600" b="1" dirty="0" smtClean="0"/>
+              <a:t>fin si</a:t>
+            </a:r>
+          </a:p>
+          <a:p>
+            <a:r>
+              <a:rPr lang="fr-FR" sz="1600" b="1" dirty="0"/>
+              <a:t>	</a:t>
+            </a:r>
+            <a:r>
+              <a:rPr lang="fr-FR" sz="1600" b="1" dirty="0" smtClean="0"/>
+              <a:t>fin pour</a:t>
+            </a:r>
+          </a:p>
+          <a:p>
+            <a:r>
+              <a:rPr lang="fr-FR" sz="1600" b="1" dirty="0"/>
+              <a:t>f</a:t>
+            </a:r>
+            <a:r>
+              <a:rPr lang="fr-FR" sz="1600" b="1" dirty="0" smtClean="0"/>
+              <a:t>in pour</a:t>
+            </a:r>
+          </a:p>
+          <a:p>
+            <a:endParaRPr lang="fr-FR" sz="1600" b="1" dirty="0"/>
+          </a:p>
+          <a:p>
+            <a:r>
+              <a:rPr lang="fr-FR" sz="1600" dirty="0" smtClean="0"/>
+              <a:t>valeur_maximum_sac_a_dos =  matrice</a:t>
+            </a:r>
+            <a:r>
+              <a:rPr lang="fr-FR" sz="1600" dirty="0"/>
+              <a:t>[ </a:t>
+            </a:r>
+            <a:r>
+              <a:rPr lang="fr-FR" sz="1600" dirty="0" smtClean="0"/>
+              <a:t>x </a:t>
+            </a:r>
+            <a:r>
+              <a:rPr lang="fr-FR" sz="1600" dirty="0"/>
+              <a:t>][ </a:t>
+            </a:r>
+            <a:r>
+              <a:rPr lang="fr-FR" sz="1600" dirty="0" smtClean="0"/>
+              <a:t>y ] </a:t>
+            </a:r>
+            <a:r>
+              <a:rPr lang="fr-FR" sz="1600" b="1" dirty="0" smtClean="0"/>
+              <a:t>										 </a:t>
+            </a:r>
+          </a:p>
+          <a:p>
+            <a:r>
+              <a:rPr lang="fr-FR" sz="1600" b="1" dirty="0"/>
+              <a:t>	</a:t>
+            </a:r>
+            <a:r>
+              <a:rPr lang="fr-FR" sz="1600" b="1" dirty="0" smtClean="0"/>
+              <a:t>	</a:t>
+            </a:r>
+          </a:p>
+          <a:p>
+            <a:endParaRPr lang="fr-FR" sz="1600" b="1" dirty="0"/>
+          </a:p>
+        </p:txBody>
+      </p:sp>
+      <p:sp>
+        <p:nvSpPr>
+          <p:cNvPr id="5" name="Titre 1"/>
+          <p:cNvSpPr txBox="1">
+            <a:spLocks/>
+          </p:cNvSpPr>
+          <p:nvPr/>
+        </p:nvSpPr>
+        <p:spPr>
+          <a:xfrm>
+            <a:off x="8959442" y="1342239"/>
+            <a:ext cx="3850546" cy="2936146"/>
+          </a:xfrm>
+          <a:prstGeom prst="rect">
+            <a:avLst/>
+          </a:prstGeom>
+        </p:spPr>
+        <p:txBody>
+          <a:bodyPr vert="horz" lIns="91440" tIns="45720" rIns="91440" bIns="45720" rtlCol="0" anchor="t">
+            <a:noAutofit/>
+          </a:bodyPr>
+          <a:lstStyle>
+            <a:lvl1pPr algn="l" defTabSz="457200" rtl="0" eaLnBrk="1" latinLnBrk="0" hangingPunct="1">
+              <a:spcBef>
+                <a:spcPct val="0"/>
+              </a:spcBef>
+              <a:buNone/>
+              <a:defRPr sz="4200" b="0" i="0" kern="1200">
+                <a:solidFill>
+                  <a:schemeClr val="tx2"/>
+                </a:solidFill>
+                <a:latin typeface="+mj-lt"/>
+                <a:ea typeface="+mj-ea"/>
+                <a:cs typeface="+mj-cs"/>
+              </a:defRPr>
+            </a:lvl1pPr>
+            <a:lvl2pPr eaLnBrk="1" hangingPunct="1">
+              <a:defRPr>
+                <a:solidFill>
+                  <a:schemeClr val="tx2"/>
+                </a:solidFill>
+              </a:defRPr>
+            </a:lvl2pPr>
+            <a:lvl3pPr eaLnBrk="1" hangingPunct="1">
+              <a:defRPr>
+                <a:solidFill>
+                  <a:schemeClr val="tx2"/>
+                </a:solidFill>
+              </a:defRPr>
+            </a:lvl3pPr>
+            <a:lvl4pPr eaLnBrk="1" hangingPunct="1">
+              <a:defRPr>
+                <a:solidFill>
+                  <a:schemeClr val="tx2"/>
+                </a:solidFill>
+              </a:defRPr>
+            </a:lvl4pPr>
+            <a:lvl5pPr eaLnBrk="1" hangingPunct="1">
+              <a:defRPr>
+                <a:solidFill>
+                  <a:schemeClr val="tx2"/>
+                </a:solidFill>
+              </a:defRPr>
+            </a:lvl5pPr>
+            <a:lvl6pPr eaLnBrk="1" hangingPunct="1">
+              <a:defRPr>
+                <a:solidFill>
+                  <a:schemeClr val="tx2"/>
+                </a:solidFill>
+              </a:defRPr>
+            </a:lvl6pPr>
+            <a:lvl7pPr eaLnBrk="1" hangingPunct="1">
+              <a:defRPr>
+                <a:solidFill>
+                  <a:schemeClr val="tx2"/>
+                </a:solidFill>
+              </a:defRPr>
+            </a:lvl7pPr>
+            <a:lvl8pPr eaLnBrk="1" hangingPunct="1">
+              <a:defRPr>
+                <a:solidFill>
+                  <a:schemeClr val="tx2"/>
+                </a:solidFill>
+              </a:defRPr>
+            </a:lvl8pPr>
+            <a:lvl9pPr eaLnBrk="1" hangingPunct="1">
+              <a:defRPr>
+                <a:solidFill>
+                  <a:schemeClr val="tx2"/>
+                </a:solidFill>
+              </a:defRPr>
+            </a:lvl9pPr>
+          </a:lstStyle>
+          <a:p>
+            <a:r>
+              <a:rPr lang="fr-FR" sz="1800" u="sng" dirty="0">
+                <a:solidFill>
+                  <a:schemeClr val="tx1"/>
+                </a:solidFill>
+                <a:latin typeface="+mn-lt"/>
+                <a:ea typeface="+mn-ea"/>
+                <a:cs typeface="+mn-cs"/>
+              </a:rPr>
+              <a:t>Avantages : </a:t>
+            </a:r>
+          </a:p>
+          <a:p>
+            <a:endParaRPr lang="fr-FR" sz="1800" u="sng" dirty="0">
+              <a:solidFill>
+                <a:schemeClr val="tx1"/>
+              </a:solidFill>
+              <a:latin typeface="+mn-lt"/>
+              <a:ea typeface="+mn-ea"/>
+              <a:cs typeface="+mn-cs"/>
+            </a:endParaRPr>
+          </a:p>
+          <a:p>
+            <a:pPr marL="285750" indent="-285750">
+              <a:buFont typeface="Wingdings" panose="05000000000000000000" pitchFamily="2" charset="2"/>
+              <a:buChar char="Ø"/>
+            </a:pPr>
+            <a:r>
+              <a:rPr lang="fr-FR" sz="1800" dirty="0" smtClean="0">
+                <a:solidFill>
+                  <a:schemeClr val="tx1"/>
+                </a:solidFill>
+                <a:latin typeface="+mn-lt"/>
+                <a:ea typeface="+mn-ea"/>
+                <a:cs typeface="+mn-cs"/>
+              </a:rPr>
+              <a:t>Stockage des résultats intermédiaires</a:t>
+            </a:r>
+          </a:p>
+          <a:p>
+            <a:pPr marL="285750" indent="-285750">
+              <a:buFont typeface="Wingdings" panose="05000000000000000000" pitchFamily="2" charset="2"/>
+              <a:buChar char="Ø"/>
+            </a:pPr>
+            <a:endParaRPr lang="fr-FR" sz="1800" dirty="0" smtClean="0">
+              <a:solidFill>
+                <a:schemeClr val="tx1"/>
+              </a:solidFill>
+              <a:latin typeface="+mn-lt"/>
+              <a:ea typeface="+mn-ea"/>
+              <a:cs typeface="+mn-cs"/>
+            </a:endParaRPr>
+          </a:p>
+          <a:p>
+            <a:pPr marL="285750" indent="-285750">
+              <a:buFont typeface="Wingdings" panose="05000000000000000000" pitchFamily="2" charset="2"/>
+              <a:buChar char="Ø"/>
+            </a:pPr>
+            <a:r>
+              <a:rPr lang="fr-FR" sz="1800" dirty="0" smtClean="0">
+                <a:solidFill>
+                  <a:schemeClr val="tx1"/>
+                </a:solidFill>
+                <a:latin typeface="+mn-lt"/>
+                <a:ea typeface="+mn-ea"/>
+                <a:cs typeface="+mn-cs"/>
+              </a:rPr>
+              <a:t>Complexité polynomiale</a:t>
+            </a:r>
+          </a:p>
+          <a:p>
+            <a:r>
+              <a:rPr lang="fr-FR" sz="1800" dirty="0" smtClean="0">
+                <a:solidFill>
+                  <a:schemeClr val="tx1"/>
+                </a:solidFill>
+                <a:latin typeface="+mn-lt"/>
+                <a:ea typeface="+mn-ea"/>
+                <a:cs typeface="+mn-cs"/>
+              </a:rPr>
+              <a:t>O(xy)</a:t>
+            </a:r>
+            <a:endParaRPr lang="fr-FR" sz="1800" dirty="0">
+              <a:solidFill>
+                <a:schemeClr val="tx1"/>
+              </a:solidFill>
+              <a:latin typeface="+mn-lt"/>
+              <a:ea typeface="+mn-ea"/>
+              <a:cs typeface="+mn-cs"/>
+            </a:endParaRPr>
+          </a:p>
+          <a:p>
+            <a:pPr marL="285750" indent="-285750">
+              <a:buFont typeface="Wingdings" panose="05000000000000000000" pitchFamily="2" charset="2"/>
+              <a:buChar char="Ø"/>
+            </a:pPr>
+            <a:endParaRPr lang="fr-FR" sz="1800" dirty="0">
+              <a:solidFill>
+                <a:schemeClr val="tx1"/>
+              </a:solidFill>
+              <a:latin typeface="+mn-lt"/>
+              <a:ea typeface="+mn-ea"/>
+              <a:cs typeface="+mn-cs"/>
+            </a:endParaRPr>
+          </a:p>
+        </p:txBody>
+      </p:sp>
     </p:spTree>
     <p:extLst>
       <p:ext uri="{BB962C8B-B14F-4D97-AF65-F5344CB8AC3E}">
@@ -6950,8 +7878,8 @@
         </p:nvSpPr>
         <p:spPr>
           <a:xfrm>
-            <a:off x="150811" y="300318"/>
-            <a:ext cx="9840914" cy="747432"/>
+            <a:off x="0" y="144108"/>
+            <a:ext cx="9404723" cy="1400530"/>
           </a:xfrm>
         </p:spPr>
         <p:txBody>
@@ -6960,22 +7888,49 @@
           <a:p>
             <a:r>
               <a:rPr lang="fr-FR" sz="3200" b="1" dirty="0" smtClean="0"/>
-              <a:t>Solution optimisée : Les Limites</a:t>
+              <a:t>Complexité Programmation Dynamique</a:t>
             </a:r>
             <a:endParaRPr lang="fr-FR" sz="3200" b="1" dirty="0"/>
           </a:p>
         </p:txBody>
       </p:sp>
-      <p:sp>
-        <p:nvSpPr>
-          <p:cNvPr id="4" name="ZoneTexte 3"/>
-          <p:cNvSpPr txBox="1"/>
+      <p:pic>
+        <p:nvPicPr>
+          <p:cNvPr id="7" name="Image 6"/>
+          <p:cNvPicPr>
+            <a:picLocks noChangeAspect="1"/>
+          </p:cNvPicPr>
           <p:nvPr/>
-        </p:nvSpPr>
-        <p:spPr>
-          <a:xfrm>
-            <a:off x="342900" y="1664759"/>
-            <a:ext cx="6877050" cy="3693319"/>
+        </p:nvPicPr>
+        <p:blipFill rotWithShape="1">
+          <a:blip r:embed="rId2"/>
+          <a:srcRect l="561" r="1280"/>
+          <a:stretch/>
+        </p:blipFill>
+        <p:spPr>
+          <a:xfrm>
+            <a:off x="123825" y="844373"/>
+            <a:ext cx="9601200" cy="5247592"/>
+          </a:xfrm>
+          <a:prstGeom prst="rect">
+            <a:avLst/>
+          </a:prstGeom>
+        </p:spPr>
+      </p:pic>
+      <p:sp>
+        <p:nvSpPr>
+          <p:cNvPr id="8" name="Espace réservé du contenu 7"/>
+          <p:cNvSpPr txBox="1">
+            <a:spLocks noGrp="1"/>
+          </p:cNvSpPr>
+          <p:nvPr>
+            <p:ph idx="1"/>
+          </p:nvPr>
+        </p:nvSpPr>
+        <p:spPr>
+          <a:xfrm>
+            <a:off x="5088084" y="6282728"/>
+            <a:ext cx="5339432" cy="400110"/>
           </a:xfrm>
           <a:prstGeom prst="rect">
             <a:avLst/>
@@ -6988,79 +7943,25 @@
           </a:bodyPr>
           <a:lstStyle/>
           <a:p>
-            <a:r>
-              <a:rPr lang="fr-FR" b="1" dirty="0" smtClean="0"/>
-              <a:t>complexité : O( xy )</a:t>
-            </a:r>
-          </a:p>
-          <a:p>
-            <a:endParaRPr lang="fr-FR" dirty="0" smtClean="0"/>
-          </a:p>
-          <a:p>
-            <a:endParaRPr lang="fr-FR" dirty="0" smtClean="0"/>
-          </a:p>
-          <a:p>
+            <a:pPr marL="0" indent="0">
+              <a:buNone/>
+            </a:pPr>
+            <a:r>
+              <a:rPr lang="fr-FR" u="sng" dirty="0"/>
+              <a:t>2</a:t>
+            </a:r>
             <a:r>
               <a:rPr lang="fr-FR" u="sng" dirty="0" smtClean="0"/>
-              <a:t>Limites : </a:t>
-            </a:r>
-          </a:p>
-          <a:p>
-            <a:endParaRPr lang="fr-FR" u="sng" dirty="0"/>
-          </a:p>
-          <a:p>
-            <a:pPr marL="285750" indent="-285750">
-              <a:buFont typeface="Wingdings" panose="05000000000000000000" pitchFamily="2" charset="2"/>
-              <a:buChar char="Ø"/>
-            </a:pPr>
-            <a:r>
-              <a:rPr lang="fr-FR" dirty="0" smtClean="0"/>
-              <a:t>Ne permet pas d’obtenir toutes les combinaisons possible, uniquement la meilleure</a:t>
-            </a:r>
-          </a:p>
-          <a:p>
-            <a:endParaRPr lang="fr-FR" dirty="0" smtClean="0"/>
-          </a:p>
-          <a:p>
-            <a:pPr marL="285750" indent="-285750">
-              <a:buFont typeface="Wingdings" panose="05000000000000000000" pitchFamily="2" charset="2"/>
-              <a:buChar char="Ø"/>
-            </a:pPr>
-            <a:r>
-              <a:rPr lang="fr-FR" dirty="0" smtClean="0"/>
-              <a:t>Peut atteindre une complexité exponentielle si l’on prend en compte les sacs de capacité décimale</a:t>
-            </a:r>
-          </a:p>
-          <a:p>
-            <a:pPr marL="285750" indent="-285750">
-              <a:buFont typeface="Wingdings" panose="05000000000000000000" pitchFamily="2" charset="2"/>
-              <a:buChar char="Ø"/>
-            </a:pPr>
+              <a:t>0 éléments = 400 possibilités à tester !</a:t>
+            </a:r>
             <a:endParaRPr lang="fr-FR" dirty="0"/>
-          </a:p>
-          <a:p>
-            <a:pPr marL="285750" indent="-285750">
-              <a:buFont typeface="Wingdings" panose="05000000000000000000" pitchFamily="2" charset="2"/>
-              <a:buChar char="Ø"/>
-            </a:pPr>
-            <a:r>
-              <a:rPr lang="fr-FR" dirty="0" smtClean="0"/>
-              <a:t>Risque de saturation de mémoire</a:t>
-            </a:r>
-          </a:p>
-          <a:p>
-            <a:pPr marL="285750" indent="-285750">
-              <a:buFont typeface="Wingdings" panose="05000000000000000000" pitchFamily="2" charset="2"/>
-              <a:buChar char="Ø"/>
-            </a:pPr>
-            <a:endParaRPr lang="fr-FR" u="sng" dirty="0" smtClean="0"/>
           </a:p>
         </p:txBody>
       </p:sp>
     </p:spTree>
     <p:extLst>
       <p:ext uri="{BB962C8B-B14F-4D97-AF65-F5344CB8AC3E}">
-        <p14:creationId xmlns:p14="http://schemas.microsoft.com/office/powerpoint/2010/main" val="1148724555"/>
+        <p14:creationId xmlns:p14="http://schemas.microsoft.com/office/powerpoint/2010/main" val="427225975"/>
       </p:ext>
     </p:extLst>
   </p:cSld>
@@ -7106,8 +8007,8 @@
         </p:nvSpPr>
         <p:spPr>
           <a:xfrm>
-            <a:off x="150811" y="300317"/>
-            <a:ext cx="9840914" cy="1023657"/>
+            <a:off x="150811" y="300318"/>
+            <a:ext cx="9840914" cy="747432"/>
           </a:xfrm>
         </p:spPr>
         <p:txBody>
@@ -7116,40 +8017,112 @@
           <a:p>
             <a:r>
               <a:rPr lang="fr-FR" sz="3200" b="1" dirty="0" smtClean="0"/>
-              <a:t>Solution optimisée : exemple simple avec 3 éléments</a:t>
+              <a:t>Solution optimisée : Les Limites</a:t>
             </a:r>
             <a:endParaRPr lang="fr-FR" sz="3200" b="1" dirty="0"/>
           </a:p>
         </p:txBody>
       </p:sp>
-      <p:pic>
-        <p:nvPicPr>
-          <p:cNvPr id="3" name="Image 2"/>
-          <p:cNvPicPr>
-            <a:picLocks noChangeAspect="1"/>
-          </p:cNvPicPr>
+      <p:sp>
+        <p:nvSpPr>
+          <p:cNvPr id="4" name="ZoneTexte 3"/>
+          <p:cNvSpPr txBox="1"/>
           <p:nvPr/>
-        </p:nvPicPr>
-        <p:blipFill>
-          <a:blip r:embed="rId2"/>
-          <a:stretch>
-            <a:fillRect/>
-          </a:stretch>
-        </p:blipFill>
-        <p:spPr>
-          <a:xfrm>
-            <a:off x="1880511" y="1556913"/>
-            <a:ext cx="7758789" cy="4874992"/>
+        </p:nvSpPr>
+        <p:spPr>
+          <a:xfrm>
+            <a:off x="342900" y="1664759"/>
+            <a:ext cx="6877050" cy="4247317"/>
           </a:xfrm>
           <a:prstGeom prst="rect">
             <a:avLst/>
           </a:prstGeom>
-        </p:spPr>
-      </p:pic>
+          <a:noFill/>
+        </p:spPr>
+        <p:txBody>
+          <a:bodyPr wrap="square" rtlCol="0">
+            <a:spAutoFit/>
+          </a:bodyPr>
+          <a:lstStyle/>
+          <a:p>
+            <a:r>
+              <a:rPr lang="fr-FR" b="1" dirty="0" smtClean="0"/>
+              <a:t>complexité : O( xy )</a:t>
+            </a:r>
+          </a:p>
+          <a:p>
+            <a:endParaRPr lang="fr-FR" dirty="0" smtClean="0"/>
+          </a:p>
+          <a:p>
+            <a:endParaRPr lang="fr-FR" dirty="0" smtClean="0"/>
+          </a:p>
+          <a:p>
+            <a:r>
+              <a:rPr lang="fr-FR" u="sng" dirty="0" smtClean="0"/>
+              <a:t>Limites : </a:t>
+            </a:r>
+          </a:p>
+          <a:p>
+            <a:endParaRPr lang="fr-FR" u="sng" dirty="0"/>
+          </a:p>
+          <a:p>
+            <a:pPr marL="285750" indent="-285750">
+              <a:buFont typeface="Wingdings" panose="05000000000000000000" pitchFamily="2" charset="2"/>
+              <a:buChar char="Ø"/>
+            </a:pPr>
+            <a:r>
+              <a:rPr lang="fr-FR" dirty="0" smtClean="0"/>
+              <a:t>Ne permet pas d’obtenir toutes les combinaisons possible, uniquement la meilleure</a:t>
+            </a:r>
+          </a:p>
+          <a:p>
+            <a:endParaRPr lang="fr-FR" dirty="0" smtClean="0"/>
+          </a:p>
+          <a:p>
+            <a:pPr marL="285750" indent="-285750">
+              <a:buFont typeface="Wingdings" panose="05000000000000000000" pitchFamily="2" charset="2"/>
+              <a:buChar char="Ø"/>
+            </a:pPr>
+            <a:r>
+              <a:rPr lang="fr-FR" dirty="0" smtClean="0"/>
+              <a:t>Peut atteindre une complexité exponentielle si l’on prend en compte les sacs de capacité </a:t>
+            </a:r>
+            <a:r>
+              <a:rPr lang="fr-FR" dirty="0" smtClean="0"/>
+              <a:t>décimale, les prix décimaux ainsi que la possibilité d’acheter des fractions d’action</a:t>
+            </a:r>
+            <a:endParaRPr lang="fr-FR" dirty="0" smtClean="0"/>
+          </a:p>
+          <a:p>
+            <a:pPr marL="285750" indent="-285750">
+              <a:buFont typeface="Wingdings" panose="05000000000000000000" pitchFamily="2" charset="2"/>
+              <a:buChar char="Ø"/>
+            </a:pPr>
+            <a:endParaRPr lang="fr-FR" dirty="0"/>
+          </a:p>
+          <a:p>
+            <a:pPr marL="285750" indent="-285750">
+              <a:buFont typeface="Wingdings" panose="05000000000000000000" pitchFamily="2" charset="2"/>
+              <a:buChar char="Ø"/>
+            </a:pPr>
+            <a:r>
+              <a:rPr lang="fr-FR" dirty="0" smtClean="0"/>
+              <a:t>Risque de saturation de mémoire</a:t>
+            </a:r>
+          </a:p>
+          <a:p>
+            <a:pPr marL="285750" indent="-285750">
+              <a:buFont typeface="Wingdings" panose="05000000000000000000" pitchFamily="2" charset="2"/>
+              <a:buChar char="Ø"/>
+            </a:pPr>
+            <a:endParaRPr lang="fr-FR" u="sng" dirty="0" smtClean="0"/>
+          </a:p>
+        </p:txBody>
+      </p:sp>
     </p:spTree>
     <p:extLst>
       <p:ext uri="{BB962C8B-B14F-4D97-AF65-F5344CB8AC3E}">
-        <p14:creationId xmlns:p14="http://schemas.microsoft.com/office/powerpoint/2010/main" val="3276338499"/>
+        <p14:creationId xmlns:p14="http://schemas.microsoft.com/office/powerpoint/2010/main" val="1148724555"/>
       </p:ext>
     </p:extLst>
   </p:cSld>
@@ -7195,8 +8168,8 @@
         </p:nvSpPr>
         <p:spPr>
           <a:xfrm>
-            <a:off x="0" y="144108"/>
-            <a:ext cx="9404723" cy="1400530"/>
+            <a:off x="150811" y="300317"/>
+            <a:ext cx="9840914" cy="1023657"/>
           </a:xfrm>
         </p:spPr>
         <p:txBody>
@@ -7205,7 +8178,7 @@
           <a:p>
             <a:r>
               <a:rPr lang="fr-FR" sz="3200" b="1" dirty="0" smtClean="0"/>
-              <a:t>Complexité Programmation Dynamique</a:t>
+              <a:t>Solution optimisée : exemple simple avec 3 éléments</a:t>
             </a:r>
             <a:endParaRPr lang="fr-FR" sz="3200" b="1" dirty="0"/>
           </a:p>
@@ -7213,72 +8186,32 @@
       </p:sp>
       <p:pic>
         <p:nvPicPr>
-          <p:cNvPr id="7" name="Image 6"/>
+          <p:cNvPr id="3" name="Image 2"/>
           <p:cNvPicPr>
             <a:picLocks noChangeAspect="1"/>
           </p:cNvPicPr>
           <p:nvPr/>
         </p:nvPicPr>
-        <p:blipFill rotWithShape="1">
+        <p:blipFill>
           <a:blip r:embed="rId2"/>
-          <a:srcRect l="561" r="1280"/>
-          <a:stretch/>
+          <a:stretch>
+            <a:fillRect/>
+          </a:stretch>
         </p:blipFill>
         <p:spPr>
           <a:xfrm>
-            <a:off x="123825" y="844373"/>
-            <a:ext cx="9601200" cy="5247592"/>
+            <a:off x="1880511" y="1556913"/>
+            <a:ext cx="7758789" cy="4874992"/>
           </a:xfrm>
           <a:prstGeom prst="rect">
             <a:avLst/>
           </a:prstGeom>
         </p:spPr>
       </p:pic>
-      <p:sp>
-        <p:nvSpPr>
-          <p:cNvPr id="8" name="Espace réservé du contenu 7"/>
-          <p:cNvSpPr txBox="1">
-            <a:spLocks noGrp="1"/>
-          </p:cNvSpPr>
-          <p:nvPr>
-            <p:ph idx="1"/>
-          </p:nvPr>
-        </p:nvSpPr>
-        <p:spPr>
-          <a:xfrm>
-            <a:off x="5088084" y="6282728"/>
-            <a:ext cx="5339432" cy="400110"/>
-          </a:xfrm>
-          <a:prstGeom prst="rect">
-            <a:avLst/>
-          </a:prstGeom>
-          <a:noFill/>
-        </p:spPr>
-        <p:txBody>
-          <a:bodyPr wrap="square" rtlCol="0">
-            <a:spAutoFit/>
-          </a:bodyPr>
-          <a:lstStyle/>
-          <a:p>
-            <a:pPr marL="0" indent="0">
-              <a:buNone/>
-            </a:pPr>
-            <a:r>
-              <a:rPr lang="fr-FR" u="sng" dirty="0"/>
-              <a:t>2</a:t>
-            </a:r>
-            <a:r>
-              <a:rPr lang="fr-FR" u="sng" dirty="0" smtClean="0"/>
-              <a:t>0 éléments = 400 possibilités à tester !</a:t>
-            </a:r>
-            <a:endParaRPr lang="fr-FR" dirty="0"/>
-          </a:p>
-        </p:txBody>
-      </p:sp>
     </p:spTree>
     <p:extLst>
       <p:ext uri="{BB962C8B-B14F-4D97-AF65-F5344CB8AC3E}">
-        <p14:creationId xmlns:p14="http://schemas.microsoft.com/office/powerpoint/2010/main" val="427225975"/>
+        <p14:creationId xmlns:p14="http://schemas.microsoft.com/office/powerpoint/2010/main" val="3276338499"/>
       </p:ext>
     </p:extLst>
   </p:cSld>
@@ -7322,23 +8255,422 @@
             <p:ph type="title"/>
           </p:nvPr>
         </p:nvSpPr>
-        <p:spPr/>
+        <p:spPr>
+          <a:xfrm>
+            <a:off x="251479" y="82203"/>
+            <a:ext cx="11216272" cy="1360703"/>
+          </a:xfrm>
+        </p:spPr>
         <p:txBody>
           <a:bodyPr/>
           <a:lstStyle/>
           <a:p>
-            <a:r>
-              <a:rPr lang="fr-FR" dirty="0" smtClean="0"/>
-              <a:t>Fin </a:t>
-            </a:r>
-            <a:endParaRPr lang="fr-FR" dirty="0"/>
-          </a:p>
-        </p:txBody>
-      </p:sp>
+            <a:pPr algn="ctr"/>
+            <a:r>
+              <a:rPr lang="fr-FR" sz="2800" b="1" dirty="0" smtClean="0"/>
+              <a:t>Comparaison sur dataset0.csv</a:t>
+            </a:r>
+            <a:br>
+              <a:rPr lang="fr-FR" sz="2800" b="1" dirty="0" smtClean="0"/>
+            </a:br>
+            <a:r>
+              <a:rPr lang="fr-FR" sz="2800" b="1" dirty="0" smtClean="0"/>
+              <a:t/>
+            </a:r>
+            <a:br>
+              <a:rPr lang="fr-FR" sz="2800" b="1" dirty="0" smtClean="0"/>
+            </a:br>
+            <a:r>
+              <a:rPr lang="fr-FR" sz="2800" b="1" dirty="0" smtClean="0"/>
+              <a:t>Brute Force 								 Solution Optimisée</a:t>
+            </a:r>
+            <a:endParaRPr lang="fr-FR" sz="2800" b="1" dirty="0"/>
+          </a:p>
+        </p:txBody>
+      </p:sp>
+      <p:pic>
+        <p:nvPicPr>
+          <p:cNvPr id="5" name="Image 4"/>
+          <p:cNvPicPr>
+            <a:picLocks noChangeAspect="1"/>
+          </p:cNvPicPr>
+          <p:nvPr/>
+        </p:nvPicPr>
+        <p:blipFill>
+          <a:blip r:embed="rId2"/>
+          <a:stretch>
+            <a:fillRect/>
+          </a:stretch>
+        </p:blipFill>
+        <p:spPr>
+          <a:xfrm>
+            <a:off x="0" y="1550933"/>
+            <a:ext cx="5849166" cy="2229161"/>
+          </a:xfrm>
+          <a:prstGeom prst="rect">
+            <a:avLst/>
+          </a:prstGeom>
+        </p:spPr>
+      </p:pic>
+      <p:pic>
+        <p:nvPicPr>
+          <p:cNvPr id="6" name="Image 5"/>
+          <p:cNvPicPr>
+            <a:picLocks noChangeAspect="1"/>
+          </p:cNvPicPr>
+          <p:nvPr/>
+        </p:nvPicPr>
+        <p:blipFill>
+          <a:blip r:embed="rId3"/>
+          <a:stretch>
+            <a:fillRect/>
+          </a:stretch>
+        </p:blipFill>
+        <p:spPr>
+          <a:xfrm>
+            <a:off x="0" y="3780094"/>
+            <a:ext cx="3818884" cy="3077906"/>
+          </a:xfrm>
+          <a:prstGeom prst="rect">
+            <a:avLst/>
+          </a:prstGeom>
+        </p:spPr>
+      </p:pic>
+      <p:pic>
+        <p:nvPicPr>
+          <p:cNvPr id="7" name="Image 6"/>
+          <p:cNvPicPr>
+            <a:picLocks noChangeAspect="1"/>
+          </p:cNvPicPr>
+          <p:nvPr/>
+        </p:nvPicPr>
+        <p:blipFill rotWithShape="1">
+          <a:blip r:embed="rId4"/>
+          <a:srcRect b="2485"/>
+          <a:stretch/>
+        </p:blipFill>
+        <p:spPr>
+          <a:xfrm>
+            <a:off x="6436661" y="1550933"/>
+            <a:ext cx="5755339" cy="2229160"/>
+          </a:xfrm>
+          <a:prstGeom prst="rect">
+            <a:avLst/>
+          </a:prstGeom>
+        </p:spPr>
+      </p:pic>
+      <p:pic>
+        <p:nvPicPr>
+          <p:cNvPr id="8" name="Image 7"/>
+          <p:cNvPicPr>
+            <a:picLocks noChangeAspect="1"/>
+          </p:cNvPicPr>
+          <p:nvPr/>
+        </p:nvPicPr>
+        <p:blipFill>
+          <a:blip r:embed="rId5"/>
+          <a:stretch>
+            <a:fillRect/>
+          </a:stretch>
+        </p:blipFill>
+        <p:spPr>
+          <a:xfrm>
+            <a:off x="8313490" y="3780093"/>
+            <a:ext cx="3878510" cy="3060231"/>
+          </a:xfrm>
+          <a:prstGeom prst="rect">
+            <a:avLst/>
+          </a:prstGeom>
+        </p:spPr>
+      </p:pic>
     </p:spTree>
     <p:extLst>
       <p:ext uri="{BB962C8B-B14F-4D97-AF65-F5344CB8AC3E}">
-        <p14:creationId xmlns:p14="http://schemas.microsoft.com/office/powerpoint/2010/main" val="64184691"/>
+        <p14:creationId xmlns:p14="http://schemas.microsoft.com/office/powerpoint/2010/main" val="768218027"/>
+      </p:ext>
+    </p:extLst>
+  </p:cSld>
+  <p:clrMapOvr>
+    <a:masterClrMapping/>
+  </p:clrMapOvr>
+  <p:timing>
+    <p:tnLst>
+      <p:par>
+        <p:cTn id="1" dur="indefinite" restart="never" nodeType="tmRoot"/>
+      </p:par>
+    </p:tnLst>
+  </p:timing>
+</p:sld>
+</file>
+
+<file path=ppt/slides/slide9.xml><?xml version="1.0" encoding="utf-8"?>
+<p:sld xmlns:a="http://schemas.openxmlformats.org/drawingml/2006/main" xmlns:r="http://schemas.openxmlformats.org/officeDocument/2006/relationships" xmlns:p="http://schemas.openxmlformats.org/presentationml/2006/main">
+  <p:cSld>
+    <p:spTree>
+      <p:nvGrpSpPr>
+        <p:cNvPr id="1" name=""/>
+        <p:cNvGrpSpPr/>
+        <p:nvPr/>
+      </p:nvGrpSpPr>
+      <p:grpSpPr>
+        <a:xfrm>
+          <a:off x="0" y="0"/>
+          <a:ext cx="0" cy="0"/>
+          <a:chOff x="0" y="0"/>
+          <a:chExt cx="0" cy="0"/>
+        </a:xfrm>
+      </p:grpSpPr>
+      <p:sp>
+        <p:nvSpPr>
+          <p:cNvPr id="2" name="Titre 1"/>
+          <p:cNvSpPr>
+            <a:spLocks noGrp="1"/>
+          </p:cNvSpPr>
+          <p:nvPr>
+            <p:ph type="title"/>
+          </p:nvPr>
+        </p:nvSpPr>
+        <p:spPr>
+          <a:xfrm>
+            <a:off x="251479" y="82203"/>
+            <a:ext cx="11216272" cy="1167757"/>
+          </a:xfrm>
+        </p:spPr>
+        <p:txBody>
+          <a:bodyPr/>
+          <a:lstStyle/>
+          <a:p>
+            <a:pPr algn="ctr"/>
+            <a:r>
+              <a:rPr lang="fr-FR" sz="2800" b="1" dirty="0" smtClean="0"/>
+              <a:t>Comparaison sur dataset1.csv</a:t>
+            </a:r>
+            <a:br>
+              <a:rPr lang="fr-FR" sz="2800" b="1" dirty="0" smtClean="0"/>
+            </a:br>
+            <a:r>
+              <a:rPr lang="fr-FR" sz="2800" b="1" dirty="0" smtClean="0"/>
+              <a:t>Mes résultats 							 Résultat Sienna</a:t>
+            </a:r>
+            <a:endParaRPr lang="fr-FR" sz="2800" b="1" dirty="0"/>
+          </a:p>
+        </p:txBody>
+      </p:sp>
+      <p:pic>
+        <p:nvPicPr>
+          <p:cNvPr id="10" name="Image 9"/>
+          <p:cNvPicPr>
+            <a:picLocks noChangeAspect="1"/>
+          </p:cNvPicPr>
+          <p:nvPr/>
+        </p:nvPicPr>
+        <p:blipFill rotWithShape="1">
+          <a:blip r:embed="rId2"/>
+          <a:srcRect b="3815"/>
+          <a:stretch/>
+        </p:blipFill>
+        <p:spPr>
+          <a:xfrm>
+            <a:off x="0" y="1135198"/>
+            <a:ext cx="5582429" cy="2153287"/>
+          </a:xfrm>
+          <a:prstGeom prst="rect">
+            <a:avLst/>
+          </a:prstGeom>
+        </p:spPr>
+      </p:pic>
+      <p:pic>
+        <p:nvPicPr>
+          <p:cNvPr id="11" name="Image 10"/>
+          <p:cNvPicPr>
+            <a:picLocks noChangeAspect="1"/>
+          </p:cNvPicPr>
+          <p:nvPr/>
+        </p:nvPicPr>
+        <p:blipFill>
+          <a:blip r:embed="rId3"/>
+          <a:stretch>
+            <a:fillRect/>
+          </a:stretch>
+        </p:blipFill>
+        <p:spPr>
+          <a:xfrm>
+            <a:off x="42868" y="2659747"/>
+            <a:ext cx="5496692" cy="628738"/>
+          </a:xfrm>
+          <a:prstGeom prst="rect">
+            <a:avLst/>
+          </a:prstGeom>
+        </p:spPr>
+      </p:pic>
+      <p:pic>
+        <p:nvPicPr>
+          <p:cNvPr id="12" name="Image 11"/>
+          <p:cNvPicPr>
+            <a:picLocks noChangeAspect="1"/>
+          </p:cNvPicPr>
+          <p:nvPr/>
+        </p:nvPicPr>
+        <p:blipFill>
+          <a:blip r:embed="rId4"/>
+          <a:stretch>
+            <a:fillRect/>
+          </a:stretch>
+        </p:blipFill>
+        <p:spPr>
+          <a:xfrm>
+            <a:off x="42868" y="3288485"/>
+            <a:ext cx="2296057" cy="3540371"/>
+          </a:xfrm>
+          <a:prstGeom prst="rect">
+            <a:avLst/>
+          </a:prstGeom>
+        </p:spPr>
+      </p:pic>
+      <p:pic>
+        <p:nvPicPr>
+          <p:cNvPr id="13" name="Image 12"/>
+          <p:cNvPicPr>
+            <a:picLocks noChangeAspect="1"/>
+          </p:cNvPicPr>
+          <p:nvPr/>
+        </p:nvPicPr>
+        <p:blipFill>
+          <a:blip r:embed="rId5"/>
+          <a:stretch>
+            <a:fillRect/>
+          </a:stretch>
+        </p:blipFill>
+        <p:spPr>
+          <a:xfrm>
+            <a:off x="3409950" y="3324313"/>
+            <a:ext cx="1920562" cy="3415962"/>
+          </a:xfrm>
+          <a:prstGeom prst="rect">
+            <a:avLst/>
+          </a:prstGeom>
+        </p:spPr>
+      </p:pic>
+      <p:sp>
+        <p:nvSpPr>
+          <p:cNvPr id="15" name="Rectangle à coins arrondis 14"/>
+          <p:cNvSpPr/>
+          <p:nvPr/>
+        </p:nvSpPr>
+        <p:spPr>
+          <a:xfrm>
+            <a:off x="2433637" y="2695575"/>
+            <a:ext cx="976313" cy="528637"/>
+          </a:xfrm>
+          <a:prstGeom prst="roundRect">
+            <a:avLst/>
+          </a:prstGeom>
+          <a:noFill/>
+          <a:ln w="50800">
+            <a:solidFill>
+              <a:srgbClr val="FF0000"/>
+            </a:solidFill>
+          </a:ln>
+        </p:spPr>
+        <p:style>
+          <a:lnRef idx="2">
+            <a:schemeClr val="accent1">
+              <a:shade val="50000"/>
+            </a:schemeClr>
+          </a:lnRef>
+          <a:fillRef idx="1">
+            <a:schemeClr val="accent1"/>
+          </a:fillRef>
+          <a:effectRef idx="0">
+            <a:schemeClr val="accent1"/>
+          </a:effectRef>
+          <a:fontRef idx="minor">
+            <a:schemeClr val="lt1"/>
+          </a:fontRef>
+        </p:style>
+        <p:txBody>
+          <a:bodyPr rtlCol="0" anchor="ctr"/>
+          <a:lstStyle/>
+          <a:p>
+            <a:pPr algn="ctr"/>
+            <a:endParaRPr lang="fr-FR"/>
+          </a:p>
+        </p:txBody>
+      </p:sp>
+      <p:pic>
+        <p:nvPicPr>
+          <p:cNvPr id="16" name="Image 15"/>
+          <p:cNvPicPr>
+            <a:picLocks noChangeAspect="1"/>
+          </p:cNvPicPr>
+          <p:nvPr/>
+        </p:nvPicPr>
+        <p:blipFill>
+          <a:blip r:embed="rId6"/>
+          <a:stretch>
+            <a:fillRect/>
+          </a:stretch>
+        </p:blipFill>
+        <p:spPr>
+          <a:xfrm>
+            <a:off x="6851892" y="1232167"/>
+            <a:ext cx="4615859" cy="2926816"/>
+          </a:xfrm>
+          <a:prstGeom prst="rect">
+            <a:avLst/>
+          </a:prstGeom>
+        </p:spPr>
+      </p:pic>
+      <p:sp>
+        <p:nvSpPr>
+          <p:cNvPr id="14" name="Rectangle à coins arrondis 13"/>
+          <p:cNvSpPr/>
+          <p:nvPr/>
+        </p:nvSpPr>
+        <p:spPr>
+          <a:xfrm>
+            <a:off x="6915337" y="3131005"/>
+            <a:ext cx="3781237" cy="314960"/>
+          </a:xfrm>
+          <a:prstGeom prst="roundRect">
+            <a:avLst/>
+          </a:prstGeom>
+          <a:noFill/>
+          <a:ln w="50800">
+            <a:solidFill>
+              <a:srgbClr val="FF0000"/>
+            </a:solidFill>
+          </a:ln>
+        </p:spPr>
+        <p:style>
+          <a:lnRef idx="2">
+            <a:schemeClr val="accent1">
+              <a:shade val="50000"/>
+            </a:schemeClr>
+          </a:lnRef>
+          <a:fillRef idx="1">
+            <a:schemeClr val="accent1"/>
+          </a:fillRef>
+          <a:effectRef idx="0">
+            <a:schemeClr val="accent1"/>
+          </a:effectRef>
+          <a:fontRef idx="minor">
+            <a:schemeClr val="lt1"/>
+          </a:fontRef>
+        </p:style>
+        <p:txBody>
+          <a:bodyPr rtlCol="0" anchor="ctr"/>
+          <a:lstStyle/>
+          <a:p>
+            <a:pPr algn="ctr"/>
+            <a:endParaRPr lang="fr-FR"/>
+          </a:p>
+        </p:txBody>
+      </p:sp>
+    </p:spTree>
+    <p:extLst>
+      <p:ext uri="{BB962C8B-B14F-4D97-AF65-F5344CB8AC3E}">
+        <p14:creationId xmlns:p14="http://schemas.microsoft.com/office/powerpoint/2010/main" val="3459111408"/>
       </p:ext>
     </p:extLst>
   </p:cSld>

--- a/slides/slides.pptx
+++ b/slides/slides.pptx
@@ -6,16 +6,18 @@
   </p:sldMasterIdLst>
   <p:sldIdLst>
     <p:sldId id="256" r:id="rId2"/>
-    <p:sldId id="257" r:id="rId3"/>
-    <p:sldId id="260" r:id="rId4"/>
-    <p:sldId id="263" r:id="rId5"/>
-    <p:sldId id="262" r:id="rId6"/>
-    <p:sldId id="264" r:id="rId7"/>
+    <p:sldId id="264" r:id="rId3"/>
+    <p:sldId id="257" r:id="rId4"/>
+    <p:sldId id="260" r:id="rId5"/>
+    <p:sldId id="270" r:id="rId6"/>
+    <p:sldId id="263" r:id="rId7"/>
     <p:sldId id="265" r:id="rId8"/>
-    <p:sldId id="266" r:id="rId9"/>
-    <p:sldId id="267" r:id="rId10"/>
-    <p:sldId id="268" r:id="rId11"/>
-    <p:sldId id="261" r:id="rId12"/>
+    <p:sldId id="262" r:id="rId9"/>
+    <p:sldId id="269" r:id="rId10"/>
+    <p:sldId id="266" r:id="rId11"/>
+    <p:sldId id="267" r:id="rId12"/>
+    <p:sldId id="268" r:id="rId13"/>
+    <p:sldId id="261" r:id="rId14"/>
   </p:sldIdLst>
   <p:sldSz cx="12192000" cy="6858000"/>
   <p:notesSz cx="6858000" cy="9144000"/>
@@ -308,7 +310,7 @@
           <a:p>
             <a:fld id="{4AAD347D-5ACD-4C99-B74B-A9C85AD731AF}" type="datetimeFigureOut">
               <a:rPr lang="en-US" dirty="0"/>
-              <a:t>6/30/2023</a:t>
+              <a:t>7/2/2023</a:t>
             </a:fld>
             <a:endParaRPr lang="en-US" dirty="0"/>
           </a:p>
@@ -578,7 +580,7 @@
           <a:p>
             <a:fld id="{4509A250-FF31-4206-8172-F9D3106AACB1}" type="datetimeFigureOut">
               <a:rPr lang="en-US" dirty="0"/>
-              <a:t>6/30/2023</a:t>
+              <a:t>7/2/2023</a:t>
             </a:fld>
             <a:endParaRPr lang="en-US" dirty="0"/>
           </a:p>
@@ -767,7 +769,7 @@
           <a:p>
             <a:fld id="{4509A250-FF31-4206-8172-F9D3106AACB1}" type="datetimeFigureOut">
               <a:rPr lang="en-US" dirty="0"/>
-              <a:t>6/30/2023</a:t>
+              <a:t>7/2/2023</a:t>
             </a:fld>
             <a:endParaRPr lang="en-US" dirty="0"/>
           </a:p>
@@ -1035,7 +1037,7 @@
           <a:p>
             <a:fld id="{4509A250-FF31-4206-8172-F9D3106AACB1}" type="datetimeFigureOut">
               <a:rPr lang="en-US" dirty="0"/>
-              <a:t>6/30/2023</a:t>
+              <a:t>7/2/2023</a:t>
             </a:fld>
             <a:endParaRPr lang="en-US" dirty="0"/>
           </a:p>
@@ -1371,7 +1373,7 @@
           <a:p>
             <a:fld id="{4509A250-FF31-4206-8172-F9D3106AACB1}" type="datetimeFigureOut">
               <a:rPr lang="en-US" dirty="0"/>
-              <a:t>6/30/2023</a:t>
+              <a:t>7/2/2023</a:t>
             </a:fld>
             <a:endParaRPr lang="en-US" dirty="0"/>
           </a:p>
@@ -1989,7 +1991,7 @@
           <a:p>
             <a:fld id="{4509A250-FF31-4206-8172-F9D3106AACB1}" type="datetimeFigureOut">
               <a:rPr lang="en-US" dirty="0"/>
-              <a:t>6/30/2023</a:t>
+              <a:t>7/2/2023</a:t>
             </a:fld>
             <a:endParaRPr lang="en-US" dirty="0"/>
           </a:p>
@@ -2844,7 +2846,7 @@
           <a:p>
             <a:fld id="{4509A250-FF31-4206-8172-F9D3106AACB1}" type="datetimeFigureOut">
               <a:rPr lang="en-US" dirty="0"/>
-              <a:t>6/30/2023</a:t>
+              <a:t>7/2/2023</a:t>
             </a:fld>
             <a:endParaRPr lang="en-US" dirty="0"/>
           </a:p>
@@ -3009,7 +3011,7 @@
           <a:p>
             <a:fld id="{4509A250-FF31-4206-8172-F9D3106AACB1}" type="datetimeFigureOut">
               <a:rPr lang="en-US" dirty="0"/>
-              <a:t>6/30/2023</a:t>
+              <a:t>7/2/2023</a:t>
             </a:fld>
             <a:endParaRPr lang="en-US" dirty="0"/>
           </a:p>
@@ -3184,7 +3186,7 @@
           <a:p>
             <a:fld id="{4509A250-FF31-4206-8172-F9D3106AACB1}" type="datetimeFigureOut">
               <a:rPr lang="en-US" dirty="0"/>
-              <a:t>6/30/2023</a:t>
+              <a:t>7/2/2023</a:t>
             </a:fld>
             <a:endParaRPr lang="en-US" dirty="0"/>
           </a:p>
@@ -3349,7 +3351,7 @@
           <a:p>
             <a:fld id="{4509A250-FF31-4206-8172-F9D3106AACB1}" type="datetimeFigureOut">
               <a:rPr lang="en-US" dirty="0"/>
-              <a:t>6/30/2023</a:t>
+              <a:t>7/2/2023</a:t>
             </a:fld>
             <a:endParaRPr lang="en-US" dirty="0"/>
           </a:p>
@@ -3591,7 +3593,7 @@
           <a:p>
             <a:fld id="{9796027F-7875-4030-9381-8BD8C4F21935}" type="datetimeFigureOut">
               <a:rPr lang="en-US" dirty="0"/>
-              <a:t>6/30/2023</a:t>
+              <a:t>7/2/2023</a:t>
             </a:fld>
             <a:endParaRPr lang="en-US" dirty="0"/>
           </a:p>
@@ -3878,7 +3880,7 @@
           <a:p>
             <a:fld id="{9796027F-7875-4030-9381-8BD8C4F21935}" type="datetimeFigureOut">
               <a:rPr lang="en-US" dirty="0"/>
-              <a:t>6/30/2023</a:t>
+              <a:t>7/2/2023</a:t>
             </a:fld>
             <a:endParaRPr lang="en-US" dirty="0"/>
           </a:p>
@@ -4317,7 +4319,7 @@
           <a:p>
             <a:fld id="{9796027F-7875-4030-9381-8BD8C4F21935}" type="datetimeFigureOut">
               <a:rPr lang="en-US" dirty="0"/>
-              <a:t>6/30/2023</a:t>
+              <a:t>7/2/2023</a:t>
             </a:fld>
             <a:endParaRPr lang="en-US" dirty="0"/>
           </a:p>
@@ -4430,7 +4432,7 @@
           <a:p>
             <a:fld id="{4509A250-FF31-4206-8172-F9D3106AACB1}" type="datetimeFigureOut">
               <a:rPr lang="en-US" dirty="0"/>
-              <a:t>6/30/2023</a:t>
+              <a:t>7/2/2023</a:t>
             </a:fld>
             <a:endParaRPr lang="en-US" dirty="0"/>
           </a:p>
@@ -4520,7 +4522,7 @@
           <a:p>
             <a:fld id="{4509A250-FF31-4206-8172-F9D3106AACB1}" type="datetimeFigureOut">
               <a:rPr lang="en-US" dirty="0"/>
-              <a:t>6/30/2023</a:t>
+              <a:t>7/2/2023</a:t>
             </a:fld>
             <a:endParaRPr lang="en-US" dirty="0"/>
           </a:p>
@@ -4794,7 +4796,7 @@
           <a:p>
             <a:fld id="{4509A250-FF31-4206-8172-F9D3106AACB1}" type="datetimeFigureOut">
               <a:rPr lang="en-US" dirty="0"/>
-              <a:t>6/30/2023</a:t>
+              <a:t>7/2/2023</a:t>
             </a:fld>
             <a:endParaRPr lang="en-US" dirty="0"/>
           </a:p>
@@ -5064,7 +5066,7 @@
           <a:p>
             <a:fld id="{4509A250-FF31-4206-8172-F9D3106AACB1}" type="datetimeFigureOut">
               <a:rPr lang="en-US" dirty="0"/>
-              <a:t>6/30/2023</a:t>
+              <a:t>7/2/2023</a:t>
             </a:fld>
             <a:endParaRPr lang="en-US" dirty="0"/>
           </a:p>
@@ -5488,7 +5490,7 @@
           <a:p>
             <a:fld id="{4AAD347D-5ACD-4C99-B74B-A9C85AD731AF}" type="datetimeFigureOut">
               <a:rPr lang="en-US" dirty="0"/>
-              <a:t>6/30/2023</a:t>
+              <a:t>7/2/2023</a:t>
             </a:fld>
             <a:endParaRPr lang="en-US" dirty="0"/>
           </a:p>
@@ -6094,7 +6096,7 @@
         </p:blipFill>
         <p:spPr>
           <a:xfrm>
-            <a:off x="4515124" y="987180"/>
+            <a:off x="7082155" y="945235"/>
             <a:ext cx="2105319" cy="2048161"/>
           </a:xfrm>
           <a:prstGeom prst="rect">
@@ -6152,6 +6154,465 @@
         <p:spPr>
           <a:xfrm>
             <a:off x="251479" y="82203"/>
+            <a:ext cx="11216272" cy="1360703"/>
+          </a:xfrm>
+        </p:spPr>
+        <p:txBody>
+          <a:bodyPr/>
+          <a:lstStyle/>
+          <a:p>
+            <a:pPr algn="ctr"/>
+            <a:r>
+              <a:rPr lang="fr-FR" sz="2800" b="1" dirty="0" smtClean="0"/>
+              <a:t>Comparaison sur dataset0.csv</a:t>
+            </a:r>
+            <a:br>
+              <a:rPr lang="fr-FR" sz="2800" b="1" dirty="0" smtClean="0"/>
+            </a:br>
+            <a:r>
+              <a:rPr lang="fr-FR" sz="2800" b="1" dirty="0" smtClean="0"/>
+              <a:t/>
+            </a:r>
+            <a:br>
+              <a:rPr lang="fr-FR" sz="2800" b="1" dirty="0" smtClean="0"/>
+            </a:br>
+            <a:r>
+              <a:rPr lang="fr-FR" sz="2800" b="1" dirty="0" smtClean="0"/>
+              <a:t>Brute Force 								 Solution Optimisée</a:t>
+            </a:r>
+            <a:endParaRPr lang="fr-FR" sz="2800" b="1" dirty="0"/>
+          </a:p>
+        </p:txBody>
+      </p:sp>
+      <p:pic>
+        <p:nvPicPr>
+          <p:cNvPr id="5" name="Image 4"/>
+          <p:cNvPicPr>
+            <a:picLocks noChangeAspect="1"/>
+          </p:cNvPicPr>
+          <p:nvPr/>
+        </p:nvPicPr>
+        <p:blipFill>
+          <a:blip r:embed="rId2"/>
+          <a:stretch>
+            <a:fillRect/>
+          </a:stretch>
+        </p:blipFill>
+        <p:spPr>
+          <a:xfrm>
+            <a:off x="0" y="1550933"/>
+            <a:ext cx="5849166" cy="2229161"/>
+          </a:xfrm>
+          <a:prstGeom prst="rect">
+            <a:avLst/>
+          </a:prstGeom>
+        </p:spPr>
+      </p:pic>
+      <p:pic>
+        <p:nvPicPr>
+          <p:cNvPr id="6" name="Image 5"/>
+          <p:cNvPicPr>
+            <a:picLocks noChangeAspect="1"/>
+          </p:cNvPicPr>
+          <p:nvPr/>
+        </p:nvPicPr>
+        <p:blipFill>
+          <a:blip r:embed="rId3"/>
+          <a:stretch>
+            <a:fillRect/>
+          </a:stretch>
+        </p:blipFill>
+        <p:spPr>
+          <a:xfrm>
+            <a:off x="0" y="3780094"/>
+            <a:ext cx="3818884" cy="3077906"/>
+          </a:xfrm>
+          <a:prstGeom prst="rect">
+            <a:avLst/>
+          </a:prstGeom>
+        </p:spPr>
+      </p:pic>
+      <p:pic>
+        <p:nvPicPr>
+          <p:cNvPr id="7" name="Image 6"/>
+          <p:cNvPicPr>
+            <a:picLocks noChangeAspect="1"/>
+          </p:cNvPicPr>
+          <p:nvPr/>
+        </p:nvPicPr>
+        <p:blipFill rotWithShape="1">
+          <a:blip r:embed="rId4"/>
+          <a:srcRect b="2485"/>
+          <a:stretch/>
+        </p:blipFill>
+        <p:spPr>
+          <a:xfrm>
+            <a:off x="6436661" y="1550933"/>
+            <a:ext cx="5755339" cy="2229160"/>
+          </a:xfrm>
+          <a:prstGeom prst="rect">
+            <a:avLst/>
+          </a:prstGeom>
+        </p:spPr>
+      </p:pic>
+      <p:pic>
+        <p:nvPicPr>
+          <p:cNvPr id="8" name="Image 7"/>
+          <p:cNvPicPr>
+            <a:picLocks noChangeAspect="1"/>
+          </p:cNvPicPr>
+          <p:nvPr/>
+        </p:nvPicPr>
+        <p:blipFill>
+          <a:blip r:embed="rId5"/>
+          <a:stretch>
+            <a:fillRect/>
+          </a:stretch>
+        </p:blipFill>
+        <p:spPr>
+          <a:xfrm>
+            <a:off x="8313490" y="3780093"/>
+            <a:ext cx="3878510" cy="3060231"/>
+          </a:xfrm>
+          <a:prstGeom prst="rect">
+            <a:avLst/>
+          </a:prstGeom>
+        </p:spPr>
+      </p:pic>
+    </p:spTree>
+    <p:extLst>
+      <p:ext uri="{BB962C8B-B14F-4D97-AF65-F5344CB8AC3E}">
+        <p14:creationId xmlns:p14="http://schemas.microsoft.com/office/powerpoint/2010/main" val="768218027"/>
+      </p:ext>
+    </p:extLst>
+  </p:cSld>
+  <p:clrMapOvr>
+    <a:masterClrMapping/>
+  </p:clrMapOvr>
+  <p:timing>
+    <p:tnLst>
+      <p:par>
+        <p:cTn id="1" dur="indefinite" restart="never" nodeType="tmRoot"/>
+      </p:par>
+    </p:tnLst>
+  </p:timing>
+</p:sld>
+</file>
+
+<file path=ppt/slides/slide11.xml><?xml version="1.0" encoding="utf-8"?>
+<p:sld xmlns:a="http://schemas.openxmlformats.org/drawingml/2006/main" xmlns:r="http://schemas.openxmlformats.org/officeDocument/2006/relationships" xmlns:p="http://schemas.openxmlformats.org/presentationml/2006/main">
+  <p:cSld>
+    <p:spTree>
+      <p:nvGrpSpPr>
+        <p:cNvPr id="1" name=""/>
+        <p:cNvGrpSpPr/>
+        <p:nvPr/>
+      </p:nvGrpSpPr>
+      <p:grpSpPr>
+        <a:xfrm>
+          <a:off x="0" y="0"/>
+          <a:ext cx="0" cy="0"/>
+          <a:chOff x="0" y="0"/>
+          <a:chExt cx="0" cy="0"/>
+        </a:xfrm>
+      </p:grpSpPr>
+      <p:sp>
+        <p:nvSpPr>
+          <p:cNvPr id="2" name="Titre 1"/>
+          <p:cNvSpPr>
+            <a:spLocks noGrp="1"/>
+          </p:cNvSpPr>
+          <p:nvPr>
+            <p:ph type="title"/>
+          </p:nvPr>
+        </p:nvSpPr>
+        <p:spPr>
+          <a:xfrm>
+            <a:off x="251479" y="82203"/>
+            <a:ext cx="11216272" cy="1167757"/>
+          </a:xfrm>
+        </p:spPr>
+        <p:txBody>
+          <a:bodyPr/>
+          <a:lstStyle/>
+          <a:p>
+            <a:pPr algn="ctr"/>
+            <a:r>
+              <a:rPr lang="fr-FR" sz="2800" b="1" dirty="0" smtClean="0"/>
+              <a:t>Comparaison sur dataset1.csv</a:t>
+            </a:r>
+            <a:br>
+              <a:rPr lang="fr-FR" sz="2800" b="1" dirty="0" smtClean="0"/>
+            </a:br>
+            <a:r>
+              <a:rPr lang="fr-FR" sz="2800" b="1" dirty="0" smtClean="0"/>
+              <a:t>Mes résultats 							 Résultat Sienna</a:t>
+            </a:r>
+            <a:endParaRPr lang="fr-FR" sz="2800" b="1" dirty="0"/>
+          </a:p>
+        </p:txBody>
+      </p:sp>
+      <p:pic>
+        <p:nvPicPr>
+          <p:cNvPr id="10" name="Image 9"/>
+          <p:cNvPicPr>
+            <a:picLocks noChangeAspect="1"/>
+          </p:cNvPicPr>
+          <p:nvPr/>
+        </p:nvPicPr>
+        <p:blipFill rotWithShape="1">
+          <a:blip r:embed="rId2"/>
+          <a:srcRect b="3815"/>
+          <a:stretch/>
+        </p:blipFill>
+        <p:spPr>
+          <a:xfrm>
+            <a:off x="0" y="1135198"/>
+            <a:ext cx="5582429" cy="2153287"/>
+          </a:xfrm>
+          <a:prstGeom prst="rect">
+            <a:avLst/>
+          </a:prstGeom>
+        </p:spPr>
+      </p:pic>
+      <p:pic>
+        <p:nvPicPr>
+          <p:cNvPr id="11" name="Image 10"/>
+          <p:cNvPicPr>
+            <a:picLocks noChangeAspect="1"/>
+          </p:cNvPicPr>
+          <p:nvPr/>
+        </p:nvPicPr>
+        <p:blipFill>
+          <a:blip r:embed="rId3"/>
+          <a:stretch>
+            <a:fillRect/>
+          </a:stretch>
+        </p:blipFill>
+        <p:spPr>
+          <a:xfrm>
+            <a:off x="42868" y="2659747"/>
+            <a:ext cx="5496692" cy="628738"/>
+          </a:xfrm>
+          <a:prstGeom prst="rect">
+            <a:avLst/>
+          </a:prstGeom>
+        </p:spPr>
+      </p:pic>
+      <p:pic>
+        <p:nvPicPr>
+          <p:cNvPr id="12" name="Image 11"/>
+          <p:cNvPicPr>
+            <a:picLocks noChangeAspect="1"/>
+          </p:cNvPicPr>
+          <p:nvPr/>
+        </p:nvPicPr>
+        <p:blipFill>
+          <a:blip r:embed="rId4"/>
+          <a:stretch>
+            <a:fillRect/>
+          </a:stretch>
+        </p:blipFill>
+        <p:spPr>
+          <a:xfrm>
+            <a:off x="42868" y="3288485"/>
+            <a:ext cx="2296057" cy="3540371"/>
+          </a:xfrm>
+          <a:prstGeom prst="rect">
+            <a:avLst/>
+          </a:prstGeom>
+        </p:spPr>
+      </p:pic>
+      <p:pic>
+        <p:nvPicPr>
+          <p:cNvPr id="13" name="Image 12"/>
+          <p:cNvPicPr>
+            <a:picLocks noChangeAspect="1"/>
+          </p:cNvPicPr>
+          <p:nvPr/>
+        </p:nvPicPr>
+        <p:blipFill>
+          <a:blip r:embed="rId5"/>
+          <a:stretch>
+            <a:fillRect/>
+          </a:stretch>
+        </p:blipFill>
+        <p:spPr>
+          <a:xfrm>
+            <a:off x="3409950" y="3324313"/>
+            <a:ext cx="1920562" cy="3415962"/>
+          </a:xfrm>
+          <a:prstGeom prst="rect">
+            <a:avLst/>
+          </a:prstGeom>
+        </p:spPr>
+      </p:pic>
+      <p:sp>
+        <p:nvSpPr>
+          <p:cNvPr id="15" name="Rectangle à coins arrondis 14"/>
+          <p:cNvSpPr/>
+          <p:nvPr/>
+        </p:nvSpPr>
+        <p:spPr>
+          <a:xfrm>
+            <a:off x="2433637" y="2695575"/>
+            <a:ext cx="976313" cy="528637"/>
+          </a:xfrm>
+          <a:prstGeom prst="roundRect">
+            <a:avLst/>
+          </a:prstGeom>
+          <a:noFill/>
+          <a:ln w="50800">
+            <a:solidFill>
+              <a:srgbClr val="FF0000"/>
+            </a:solidFill>
+          </a:ln>
+        </p:spPr>
+        <p:style>
+          <a:lnRef idx="2">
+            <a:schemeClr val="accent1">
+              <a:shade val="50000"/>
+            </a:schemeClr>
+          </a:lnRef>
+          <a:fillRef idx="1">
+            <a:schemeClr val="accent1"/>
+          </a:fillRef>
+          <a:effectRef idx="0">
+            <a:schemeClr val="accent1"/>
+          </a:effectRef>
+          <a:fontRef idx="minor">
+            <a:schemeClr val="lt1"/>
+          </a:fontRef>
+        </p:style>
+        <p:txBody>
+          <a:bodyPr rtlCol="0" anchor="ctr"/>
+          <a:lstStyle/>
+          <a:p>
+            <a:pPr algn="ctr"/>
+            <a:endParaRPr lang="fr-FR"/>
+          </a:p>
+        </p:txBody>
+      </p:sp>
+      <p:pic>
+        <p:nvPicPr>
+          <p:cNvPr id="16" name="Image 15"/>
+          <p:cNvPicPr>
+            <a:picLocks noChangeAspect="1"/>
+          </p:cNvPicPr>
+          <p:nvPr/>
+        </p:nvPicPr>
+        <p:blipFill>
+          <a:blip r:embed="rId6"/>
+          <a:stretch>
+            <a:fillRect/>
+          </a:stretch>
+        </p:blipFill>
+        <p:spPr>
+          <a:xfrm>
+            <a:off x="6851892" y="1232167"/>
+            <a:ext cx="4615859" cy="2926816"/>
+          </a:xfrm>
+          <a:prstGeom prst="rect">
+            <a:avLst/>
+          </a:prstGeom>
+        </p:spPr>
+      </p:pic>
+      <p:sp>
+        <p:nvSpPr>
+          <p:cNvPr id="14" name="Rectangle à coins arrondis 13"/>
+          <p:cNvSpPr/>
+          <p:nvPr/>
+        </p:nvSpPr>
+        <p:spPr>
+          <a:xfrm>
+            <a:off x="6915337" y="3131005"/>
+            <a:ext cx="3781237" cy="314960"/>
+          </a:xfrm>
+          <a:prstGeom prst="roundRect">
+            <a:avLst/>
+          </a:prstGeom>
+          <a:noFill/>
+          <a:ln w="50800">
+            <a:solidFill>
+              <a:srgbClr val="FF0000"/>
+            </a:solidFill>
+          </a:ln>
+        </p:spPr>
+        <p:style>
+          <a:lnRef idx="2">
+            <a:schemeClr val="accent1">
+              <a:shade val="50000"/>
+            </a:schemeClr>
+          </a:lnRef>
+          <a:fillRef idx="1">
+            <a:schemeClr val="accent1"/>
+          </a:fillRef>
+          <a:effectRef idx="0">
+            <a:schemeClr val="accent1"/>
+          </a:effectRef>
+          <a:fontRef idx="minor">
+            <a:schemeClr val="lt1"/>
+          </a:fontRef>
+        </p:style>
+        <p:txBody>
+          <a:bodyPr rtlCol="0" anchor="ctr"/>
+          <a:lstStyle/>
+          <a:p>
+            <a:pPr algn="ctr"/>
+            <a:endParaRPr lang="fr-FR"/>
+          </a:p>
+        </p:txBody>
+      </p:sp>
+    </p:spTree>
+    <p:extLst>
+      <p:ext uri="{BB962C8B-B14F-4D97-AF65-F5344CB8AC3E}">
+        <p14:creationId xmlns:p14="http://schemas.microsoft.com/office/powerpoint/2010/main" val="3459111408"/>
+      </p:ext>
+    </p:extLst>
+  </p:cSld>
+  <p:clrMapOvr>
+    <a:masterClrMapping/>
+  </p:clrMapOvr>
+  <p:timing>
+    <p:tnLst>
+      <p:par>
+        <p:cTn id="1" dur="indefinite" restart="never" nodeType="tmRoot"/>
+      </p:par>
+    </p:tnLst>
+  </p:timing>
+</p:sld>
+</file>
+
+<file path=ppt/slides/slide12.xml><?xml version="1.0" encoding="utf-8"?>
+<p:sld xmlns:a="http://schemas.openxmlformats.org/drawingml/2006/main" xmlns:r="http://schemas.openxmlformats.org/officeDocument/2006/relationships" xmlns:p="http://schemas.openxmlformats.org/presentationml/2006/main">
+  <p:cSld>
+    <p:spTree>
+      <p:nvGrpSpPr>
+        <p:cNvPr id="1" name=""/>
+        <p:cNvGrpSpPr/>
+        <p:nvPr/>
+      </p:nvGrpSpPr>
+      <p:grpSpPr>
+        <a:xfrm>
+          <a:off x="0" y="0"/>
+          <a:ext cx="0" cy="0"/>
+          <a:chOff x="0" y="0"/>
+          <a:chExt cx="0" cy="0"/>
+        </a:xfrm>
+      </p:grpSpPr>
+      <p:sp>
+        <p:nvSpPr>
+          <p:cNvPr id="2" name="Titre 1"/>
+          <p:cNvSpPr>
+            <a:spLocks noGrp="1"/>
+          </p:cNvSpPr>
+          <p:nvPr>
+            <p:ph type="title"/>
+          </p:nvPr>
+        </p:nvSpPr>
+        <p:spPr>
+          <a:xfrm>
+            <a:off x="251479" y="82203"/>
             <a:ext cx="11216272" cy="1167757"/>
           </a:xfrm>
         </p:spPr>
@@ -6407,7 +6868,7 @@
 </p:sld>
 </file>
 
-<file path=ppt/slides/slide11.xml><?xml version="1.0" encoding="utf-8"?>
+<file path=ppt/slides/slide13.xml><?xml version="1.0" encoding="utf-8"?>
 <p:sld xmlns:a="http://schemas.openxmlformats.org/drawingml/2006/main" xmlns:r="http://schemas.openxmlformats.org/officeDocument/2006/relationships" xmlns:p="http://schemas.openxmlformats.org/presentationml/2006/main">
   <p:cSld>
     <p:spTree>
@@ -6486,120 +6947,48 @@
       </p:grpSpPr>
       <p:sp>
         <p:nvSpPr>
-          <p:cNvPr id="6" name="AutoShape 8" descr="_images/classe_voiture.svg"/>
-          <p:cNvSpPr>
-            <a:spLocks noChangeAspect="1" noChangeArrowheads="1"/>
-          </p:cNvSpPr>
+          <p:cNvPr id="2" name="Titre 1"/>
+          <p:cNvSpPr>
+            <a:spLocks noGrp="1"/>
+          </p:cNvSpPr>
+          <p:nvPr>
+            <p:ph type="title"/>
+          </p:nvPr>
+        </p:nvSpPr>
+        <p:spPr>
+          <a:xfrm>
+            <a:off x="301813" y="107371"/>
+            <a:ext cx="9840914" cy="747432"/>
+          </a:xfrm>
+        </p:spPr>
+        <p:txBody>
+          <a:bodyPr/>
+          <a:lstStyle/>
+          <a:p>
+            <a:pPr algn="ctr"/>
+            <a:r>
+              <a:rPr lang="fr-FR" sz="3200" b="1" dirty="0" smtClean="0"/>
+              <a:t>PLAN</a:t>
+            </a:r>
+            <a:endParaRPr lang="fr-FR" sz="3200" b="1" dirty="0"/>
+          </a:p>
+        </p:txBody>
+      </p:sp>
+      <p:sp>
+        <p:nvSpPr>
+          <p:cNvPr id="4" name="ZoneTexte 3"/>
+          <p:cNvSpPr txBox="1"/>
           <p:nvPr/>
         </p:nvSpPr>
-        <p:spPr bwMode="auto">
-          <a:xfrm>
-            <a:off x="155575" y="-144463"/>
-            <a:ext cx="304800" cy="304801"/>
+        <p:spPr>
+          <a:xfrm>
+            <a:off x="301813" y="687024"/>
+            <a:ext cx="11576998" cy="7232749"/>
           </a:xfrm>
           <a:prstGeom prst="rect">
             <a:avLst/>
           </a:prstGeom>
           <a:noFill/>
-          <a:extLst>
-            <a:ext uri="{909E8E84-426E-40DD-AFC4-6F175D3DCCD1}">
-              <a14:hiddenFill xmlns:a14="http://schemas.microsoft.com/office/drawing/2010/main">
-                <a:solidFill>
-                  <a:srgbClr val="FFFFFF"/>
-                </a:solidFill>
-              </a14:hiddenFill>
-            </a:ext>
-          </a:extLst>
-        </p:spPr>
-        <p:txBody>
-          <a:bodyPr vert="horz" wrap="square" lIns="91440" tIns="45720" rIns="91440" bIns="45720" numCol="1" anchor="t" anchorCtr="0" compatLnSpc="1">
-            <a:prstTxWarp prst="textNoShape">
-              <a:avLst/>
-            </a:prstTxWarp>
-          </a:bodyPr>
-          <a:lstStyle/>
-          <a:p>
-            <a:endParaRPr lang="fr-FR"/>
-          </a:p>
-        </p:txBody>
-      </p:sp>
-      <p:pic>
-        <p:nvPicPr>
-          <p:cNvPr id="8" name="Espace réservé du contenu 7"/>
-          <p:cNvPicPr>
-            <a:picLocks noGrp="1" noChangeAspect="1"/>
-          </p:cNvPicPr>
-          <p:nvPr>
-            <p:ph idx="1"/>
-          </p:nvPr>
-        </p:nvPicPr>
-        <p:blipFill>
-          <a:blip r:embed="rId2"/>
-          <a:stretch>
-            <a:fillRect/>
-          </a:stretch>
-        </p:blipFill>
-        <p:spPr>
-          <a:xfrm>
-            <a:off x="155575" y="699511"/>
-            <a:ext cx="8426363" cy="5962589"/>
-          </a:xfrm>
-          <a:prstGeom prst="rect">
-            <a:avLst/>
-          </a:prstGeom>
-        </p:spPr>
-      </p:pic>
-      <p:sp>
-        <p:nvSpPr>
-          <p:cNvPr id="7" name="Titre 6"/>
-          <p:cNvSpPr>
-            <a:spLocks noGrp="1"/>
-          </p:cNvSpPr>
-          <p:nvPr>
-            <p:ph type="title"/>
-          </p:nvPr>
-        </p:nvSpPr>
-        <p:spPr>
-          <a:xfrm>
-            <a:off x="489179" y="0"/>
-            <a:ext cx="4854346" cy="588963"/>
-          </a:xfrm>
-        </p:spPr>
-        <p:txBody>
-          <a:bodyPr/>
-          <a:lstStyle/>
-          <a:p>
-            <a:r>
-              <a:rPr lang="fr-FR" sz="3200" b="1" dirty="0" smtClean="0"/>
-              <a:t>Analyse Force </a:t>
-            </a:r>
-            <a:r>
-              <a:rPr lang="fr-FR" sz="3200" b="1" dirty="0"/>
-              <a:t>B</a:t>
-            </a:r>
-            <a:r>
-              <a:rPr lang="fr-FR" sz="3200" b="1" dirty="0" smtClean="0"/>
-              <a:t>rute</a:t>
-            </a:r>
-            <a:endParaRPr lang="fr-FR" sz="3200" b="1" dirty="0"/>
-          </a:p>
-        </p:txBody>
-      </p:sp>
-      <p:sp>
-        <p:nvSpPr>
-          <p:cNvPr id="13" name="ZoneTexte 12"/>
-          <p:cNvSpPr txBox="1"/>
-          <p:nvPr/>
-        </p:nvSpPr>
-        <p:spPr>
-          <a:xfrm>
-            <a:off x="8686800" y="2594865"/>
-            <a:ext cx="3505200" cy="2031325"/>
-          </a:xfrm>
-          <a:prstGeom prst="rect">
-            <a:avLst/>
-          </a:prstGeom>
-          <a:noFill/>
         </p:spPr>
         <p:txBody>
           <a:bodyPr wrap="square" rtlCol="0">
@@ -6608,61 +6997,143 @@
           <a:lstStyle/>
           <a:p>
             <a:r>
-              <a:rPr lang="fr-FR" b="1" dirty="0"/>
-              <a:t>complexité : O( </a:t>
-            </a:r>
-            <a:r>
-              <a:rPr lang="fr-FR" b="1" dirty="0" smtClean="0"/>
-              <a:t>2^n </a:t>
-            </a:r>
-            <a:r>
-              <a:rPr lang="fr-FR" b="1" dirty="0"/>
-              <a:t>)</a:t>
-            </a:r>
-          </a:p>
-          <a:p>
-            <a:endParaRPr lang="fr-FR" u="sng" dirty="0" smtClean="0"/>
-          </a:p>
-          <a:p>
-            <a:endParaRPr lang="fr-FR" u="sng" dirty="0"/>
-          </a:p>
-          <a:p>
-            <a:r>
-              <a:rPr lang="fr-FR" u="sng" dirty="0" smtClean="0"/>
-              <a:t>Inconvénients :</a:t>
-            </a:r>
-            <a:endParaRPr lang="fr-FR" u="sng" dirty="0" smtClean="0"/>
-          </a:p>
-          <a:p>
+              <a:rPr lang="fr-FR" sz="2800" b="1" dirty="0" smtClean="0"/>
+              <a:t>1. Solution Brute Force </a:t>
+            </a:r>
+          </a:p>
+          <a:p>
+            <a:pPr lvl="1"/>
+            <a:r>
+              <a:rPr lang="fr-FR" sz="2800" dirty="0" smtClean="0"/>
+              <a:t>a. Process</a:t>
+            </a:r>
+          </a:p>
+          <a:p>
+            <a:pPr lvl="1"/>
+            <a:r>
+              <a:rPr lang="fr-FR" sz="2800" dirty="0" smtClean="0"/>
+              <a:t>b. Complexité </a:t>
+            </a:r>
+            <a:r>
+              <a:rPr lang="fr-FR" sz="2800" dirty="0"/>
+              <a:t>et </a:t>
+            </a:r>
+            <a:r>
+              <a:rPr lang="fr-FR" sz="2800" dirty="0" smtClean="0"/>
+              <a:t>limites</a:t>
+            </a:r>
+          </a:p>
+          <a:p>
+            <a:pPr lvl="1"/>
+            <a:r>
+              <a:rPr lang="fr-FR" sz="2800" dirty="0" smtClean="0"/>
+              <a:t>c. Review </a:t>
+            </a:r>
+            <a:r>
+              <a:rPr lang="fr-FR" sz="2800" dirty="0"/>
+              <a:t>‘bruteforce.py</a:t>
+            </a:r>
+            <a:r>
+              <a:rPr lang="fr-FR" sz="2800" dirty="0" smtClean="0"/>
+              <a:t>’</a:t>
+            </a:r>
+            <a:endParaRPr lang="fr-FR" sz="2800" dirty="0" smtClean="0"/>
+          </a:p>
+          <a:p>
+            <a:endParaRPr lang="fr-FR" sz="2800" dirty="0"/>
+          </a:p>
+          <a:p>
+            <a:r>
+              <a:rPr lang="fr-FR" sz="2800" b="1" dirty="0" smtClean="0"/>
+              <a:t>2. Solution Optimisée</a:t>
+            </a:r>
+          </a:p>
+          <a:p>
+            <a:pPr lvl="1"/>
+            <a:r>
+              <a:rPr lang="fr-FR" sz="2800" dirty="0" smtClean="0"/>
+              <a:t>a. Process</a:t>
+            </a:r>
+            <a:endParaRPr lang="fr-FR" sz="2800" dirty="0"/>
+          </a:p>
+          <a:p>
+            <a:pPr lvl="1"/>
+            <a:r>
+              <a:rPr lang="fr-FR" sz="2800" dirty="0" smtClean="0"/>
+              <a:t>b. Complexité </a:t>
+            </a:r>
+            <a:r>
+              <a:rPr lang="fr-FR" sz="2800" dirty="0"/>
+              <a:t>et limites</a:t>
+            </a:r>
+          </a:p>
+          <a:p>
+            <a:pPr lvl="1"/>
+            <a:r>
+              <a:rPr lang="fr-FR" sz="2800" dirty="0" smtClean="0"/>
+              <a:t>c. Review </a:t>
+            </a:r>
+            <a:r>
+              <a:rPr lang="fr-FR" sz="2800" dirty="0"/>
+              <a:t>‘optimized.py’</a:t>
+            </a:r>
+          </a:p>
+          <a:p>
+            <a:endParaRPr lang="fr-FR" sz="2800" dirty="0" smtClean="0"/>
+          </a:p>
+          <a:p>
+            <a:r>
+              <a:rPr lang="fr-FR" sz="2800" b="1" dirty="0" smtClean="0"/>
+              <a:t>3. Comparatif Brute Force / Solution optimisée sur dataset0.csv</a:t>
+            </a:r>
+          </a:p>
+          <a:p>
+            <a:endParaRPr lang="fr-FR" sz="2800" b="1" dirty="0"/>
+          </a:p>
+          <a:p>
+            <a:r>
+              <a:rPr lang="fr-FR" sz="2800" b="1" dirty="0" smtClean="0"/>
+              <a:t>4. Comparatif avec Sienna sur dataset1.csv et dataset2.csv</a:t>
+            </a:r>
+          </a:p>
+          <a:p>
+            <a:pPr lvl="1"/>
+            <a:endParaRPr lang="fr-FR" sz="2800" dirty="0"/>
+          </a:p>
+          <a:p>
+            <a:pPr marL="285750" indent="-285750">
+              <a:buFont typeface="Wingdings" panose="05000000000000000000" pitchFamily="2" charset="2"/>
+              <a:buChar char="q"/>
+            </a:pPr>
             <a:endParaRPr lang="fr-FR" dirty="0" smtClean="0"/>
           </a:p>
           <a:p>
+            <a:pPr marL="742950" lvl="1" indent="-285750">
+              <a:buFont typeface="Wingdings" panose="05000000000000000000" pitchFamily="2" charset="2"/>
+              <a:buChar char="q"/>
+            </a:pPr>
+            <a:endParaRPr lang="fr-FR" dirty="0" smtClean="0"/>
+          </a:p>
+          <a:p>
             <a:pPr marL="285750" indent="-285750">
+              <a:buFont typeface="Wingdings" panose="05000000000000000000" pitchFamily="2" charset="2"/>
+              <a:buChar char="q"/>
+            </a:pPr>
+            <a:endParaRPr lang="fr-FR" dirty="0" smtClean="0"/>
+          </a:p>
+          <a:p>
+            <a:pPr marL="742950" lvl="1" indent="-285750">
               <a:buFont typeface="Wingdings" panose="05000000000000000000" pitchFamily="2" charset="2"/>
               <a:buChar char="Ø"/>
             </a:pPr>
-            <a:r>
-              <a:rPr lang="fr-FR" dirty="0" smtClean="0"/>
-              <a:t>Doublons de combinaison</a:t>
-            </a:r>
-          </a:p>
-          <a:p>
-            <a:pPr marL="285750" indent="-285750">
-              <a:buFont typeface="Wingdings" panose="05000000000000000000" pitchFamily="2" charset="2"/>
-              <a:buChar char="Ø"/>
-            </a:pPr>
-            <a:r>
-              <a:rPr lang="fr-FR" dirty="0" smtClean="0"/>
-              <a:t>Complexité exponentielle</a:t>
-            </a:r>
-            <a:endParaRPr lang="fr-FR" dirty="0"/>
+            <a:endParaRPr lang="fr-FR" dirty="0" smtClean="0"/>
           </a:p>
         </p:txBody>
       </p:sp>
     </p:spTree>
     <p:extLst>
       <p:ext uri="{BB962C8B-B14F-4D97-AF65-F5344CB8AC3E}">
-        <p14:creationId xmlns:p14="http://schemas.microsoft.com/office/powerpoint/2010/main" val="2622633060"/>
+        <p14:creationId xmlns:p14="http://schemas.microsoft.com/office/powerpoint/2010/main" val="1148724555"/>
       </p:ext>
     </p:extLst>
   </p:cSld>
@@ -6698,39 +7169,52 @@
       </p:grpSpPr>
       <p:sp>
         <p:nvSpPr>
-          <p:cNvPr id="2" name="Titre 1"/>
-          <p:cNvSpPr>
-            <a:spLocks noGrp="1"/>
-          </p:cNvSpPr>
-          <p:nvPr>
-            <p:ph type="title"/>
-          </p:nvPr>
-        </p:nvSpPr>
-        <p:spPr>
-          <a:xfrm>
-            <a:off x="86710" y="161273"/>
-            <a:ext cx="9404723" cy="1400530"/>
-          </a:xfrm>
-        </p:spPr>
-        <p:txBody>
-          <a:bodyPr/>
+          <p:cNvPr id="6" name="AutoShape 8" descr="_images/classe_voiture.svg"/>
+          <p:cNvSpPr>
+            <a:spLocks noChangeAspect="1" noChangeArrowheads="1"/>
+          </p:cNvSpPr>
+          <p:nvPr/>
+        </p:nvSpPr>
+        <p:spPr bwMode="auto">
+          <a:xfrm>
+            <a:off x="155575" y="-144463"/>
+            <a:ext cx="304800" cy="304801"/>
+          </a:xfrm>
+          <a:prstGeom prst="rect">
+            <a:avLst/>
+          </a:prstGeom>
+          <a:noFill/>
+          <a:extLst>
+            <a:ext uri="{909E8E84-426E-40DD-AFC4-6F175D3DCCD1}">
+              <a14:hiddenFill xmlns:a14="http://schemas.microsoft.com/office/drawing/2010/main">
+                <a:solidFill>
+                  <a:srgbClr val="FFFFFF"/>
+                </a:solidFill>
+              </a14:hiddenFill>
+            </a:ext>
+          </a:extLst>
+        </p:spPr>
+        <p:txBody>
+          <a:bodyPr vert="horz" wrap="square" lIns="91440" tIns="45720" rIns="91440" bIns="45720" numCol="1" anchor="t" anchorCtr="0" compatLnSpc="1">
+            <a:prstTxWarp prst="textNoShape">
+              <a:avLst/>
+            </a:prstTxWarp>
+          </a:bodyPr>
           <a:lstStyle/>
           <a:p>
-            <a:r>
-              <a:rPr lang="fr-FR" sz="3200" b="1" dirty="0" smtClean="0"/>
-              <a:t>Complexité Force Brute</a:t>
-            </a:r>
-            <a:endParaRPr lang="fr-FR" sz="3200" b="1" dirty="0"/>
+            <a:endParaRPr lang="fr-FR"/>
           </a:p>
         </p:txBody>
       </p:sp>
       <p:pic>
         <p:nvPicPr>
-          <p:cNvPr id="6" name="Image 5"/>
+          <p:cNvPr id="8" name="Espace réservé du contenu 7"/>
           <p:cNvPicPr>
-            <a:picLocks noChangeAspect="1"/>
+            <a:picLocks noGrp="1" noChangeAspect="1"/>
           </p:cNvPicPr>
-          <p:nvPr/>
+          <p:nvPr>
+            <p:ph idx="1"/>
+          </p:nvPr>
         </p:nvPicPr>
         <p:blipFill>
           <a:blip r:embed="rId2"/>
@@ -6740,8 +7224,8 @@
         </p:blipFill>
         <p:spPr>
           <a:xfrm>
-            <a:off x="86710" y="707218"/>
-            <a:ext cx="10349556" cy="5515556"/>
+            <a:off x="155575" y="699511"/>
+            <a:ext cx="8426363" cy="5962589"/>
           </a:xfrm>
           <a:prstGeom prst="rect">
             <a:avLst/>
@@ -6750,18 +7234,50 @@
       </p:pic>
       <p:sp>
         <p:nvSpPr>
-          <p:cNvPr id="7" name="Espace réservé du contenu 7"/>
-          <p:cNvSpPr txBox="1">
-            <a:spLocks noGrp="1"/>
-          </p:cNvSpPr>
-          <p:nvPr>
-            <p:ph idx="1"/>
-          </p:nvPr>
-        </p:nvSpPr>
-        <p:spPr>
-          <a:xfrm>
-            <a:off x="4964258" y="6333458"/>
-            <a:ext cx="5989491" cy="400110"/>
+          <p:cNvPr id="7" name="Titre 6"/>
+          <p:cNvSpPr>
+            <a:spLocks noGrp="1"/>
+          </p:cNvSpPr>
+          <p:nvPr>
+            <p:ph type="title"/>
+          </p:nvPr>
+        </p:nvSpPr>
+        <p:spPr>
+          <a:xfrm>
+            <a:off x="489178" y="0"/>
+            <a:ext cx="6809243" cy="588963"/>
+          </a:xfrm>
+        </p:spPr>
+        <p:txBody>
+          <a:bodyPr/>
+          <a:lstStyle/>
+          <a:p>
+            <a:r>
+              <a:rPr lang="fr-FR" sz="3200" b="1" dirty="0" smtClean="0"/>
+              <a:t>1. Process Force </a:t>
+            </a:r>
+            <a:r>
+              <a:rPr lang="fr-FR" sz="3200" b="1" dirty="0"/>
+              <a:t>B</a:t>
+            </a:r>
+            <a:r>
+              <a:rPr lang="fr-FR" sz="3200" b="1" dirty="0" smtClean="0"/>
+              <a:t>rute</a:t>
+            </a:r>
+            <a:endParaRPr lang="fr-FR" sz="3200" b="1" dirty="0"/>
+          </a:p>
+        </p:txBody>
+      </p:sp>
+      <p:sp>
+        <p:nvSpPr>
+          <p:cNvPr id="13" name="ZoneTexte 12"/>
+          <p:cNvSpPr txBox="1"/>
+          <p:nvPr/>
+        </p:nvSpPr>
+        <p:spPr>
+          <a:xfrm>
+            <a:off x="8686800" y="2594865"/>
+            <a:ext cx="3505200" cy="2031325"/>
           </a:xfrm>
           <a:prstGeom prst="rect">
             <a:avLst/>
@@ -6774,16 +7290,56 @@
           </a:bodyPr>
           <a:lstStyle/>
           <a:p>
-            <a:pPr marL="0" indent="0">
-              <a:buNone/>
+            <a:r>
+              <a:rPr lang="fr-FR" b="1" dirty="0"/>
+              <a:t>complexité : O( </a:t>
+            </a:r>
+            <a:r>
+              <a:rPr lang="fr-FR" b="1" dirty="0" smtClean="0"/>
+              <a:t>2^n </a:t>
+            </a:r>
+            <a:r>
+              <a:rPr lang="fr-FR" b="1" dirty="0"/>
+              <a:t>)</a:t>
+            </a:r>
+          </a:p>
+          <a:p>
+            <a:endParaRPr lang="fr-FR" u="sng" dirty="0" smtClean="0"/>
+          </a:p>
+          <a:p>
+            <a:endParaRPr lang="fr-FR" u="sng" dirty="0"/>
+          </a:p>
+          <a:p>
+            <a:r>
+              <a:rPr lang="fr-FR" u="sng" dirty="0" smtClean="0"/>
+              <a:t>Limites </a:t>
+            </a:r>
+            <a:r>
+              <a:rPr lang="fr-FR" u="sng" dirty="0" smtClean="0"/>
+              <a:t>:</a:t>
+            </a:r>
+          </a:p>
+          <a:p>
+            <a:endParaRPr lang="fr-FR" dirty="0" smtClean="0"/>
+          </a:p>
+          <a:p>
+            <a:pPr marL="285750" indent="-285750">
+              <a:buFont typeface="Wingdings" panose="05000000000000000000" pitchFamily="2" charset="2"/>
+              <a:buChar char="Ø"/>
             </a:pPr>
             <a:r>
-              <a:rPr lang="fr-FR" u="sng" dirty="0"/>
-              <a:t>2</a:t>
-            </a:r>
-            <a:r>
-              <a:rPr lang="fr-FR" u="sng" dirty="0" smtClean="0"/>
-              <a:t>0 éléments = 1 048 576 possibilités à tester !</a:t>
+              <a:rPr lang="fr-FR" dirty="0" smtClean="0"/>
+              <a:t>Doublons de combinaison</a:t>
+            </a:r>
+          </a:p>
+          <a:p>
+            <a:pPr marL="285750" indent="-285750">
+              <a:buFont typeface="Wingdings" panose="05000000000000000000" pitchFamily="2" charset="2"/>
+              <a:buChar char="Ø"/>
+            </a:pPr>
+            <a:r>
+              <a:rPr lang="fr-FR" dirty="0" smtClean="0"/>
+              <a:t>Complexité exponentielle</a:t>
             </a:r>
             <a:endParaRPr lang="fr-FR" dirty="0"/>
           </a:p>
@@ -6792,7 +7348,7 @@
     </p:spTree>
     <p:extLst>
       <p:ext uri="{BB962C8B-B14F-4D97-AF65-F5344CB8AC3E}">
-        <p14:creationId xmlns:p14="http://schemas.microsoft.com/office/powerpoint/2010/main" val="1811923168"/>
+        <p14:creationId xmlns:p14="http://schemas.microsoft.com/office/powerpoint/2010/main" val="2622633060"/>
       </p:ext>
     </p:extLst>
   </p:cSld>
@@ -6838,8 +7394,8 @@
         </p:nvSpPr>
         <p:spPr>
           <a:xfrm>
-            <a:off x="150811" y="300318"/>
-            <a:ext cx="9840914" cy="747432"/>
+            <a:off x="86710" y="104001"/>
+            <a:ext cx="9404723" cy="1400530"/>
           </a:xfrm>
         </p:spPr>
         <p:txBody>
@@ -6848,15 +7404,246 @@
           <a:p>
             <a:r>
               <a:rPr lang="fr-FR" sz="3200" b="1" dirty="0" smtClean="0"/>
-              <a:t>Solution optimisée : programmation dynamique</a:t>
+              <a:t>Graph c</a:t>
+            </a:r>
+            <a:r>
+              <a:rPr lang="fr-FR" sz="3200" b="1" dirty="0" smtClean="0"/>
+              <a:t>omplexité :  </a:t>
+            </a:r>
+            <a:r>
+              <a:rPr lang="fr-FR" sz="3200" b="1" dirty="0" smtClean="0"/>
+              <a:t>Force </a:t>
+            </a:r>
+            <a:r>
+              <a:rPr lang="fr-FR" sz="3200" b="1" dirty="0"/>
+              <a:t>Brute O( 2^n )</a:t>
             </a:r>
             <a:endParaRPr lang="fr-FR" sz="3200" b="1" dirty="0"/>
           </a:p>
         </p:txBody>
       </p:sp>
-      <p:sp>
-        <p:nvSpPr>
-          <p:cNvPr id="3" name="Titre 1"/>
+      <p:pic>
+        <p:nvPicPr>
+          <p:cNvPr id="6" name="Image 5"/>
+          <p:cNvPicPr>
+            <a:picLocks noChangeAspect="1"/>
+          </p:cNvPicPr>
+          <p:nvPr/>
+        </p:nvPicPr>
+        <p:blipFill>
+          <a:blip r:embed="rId2"/>
+          <a:stretch>
+            <a:fillRect/>
+          </a:stretch>
+        </p:blipFill>
+        <p:spPr>
+          <a:xfrm>
+            <a:off x="86710" y="804266"/>
+            <a:ext cx="9446835" cy="5034472"/>
+          </a:xfrm>
+          <a:prstGeom prst="rect">
+            <a:avLst/>
+          </a:prstGeom>
+        </p:spPr>
+      </p:pic>
+      <p:sp>
+        <p:nvSpPr>
+          <p:cNvPr id="7" name="Espace réservé du contenu 7"/>
+          <p:cNvSpPr txBox="1">
+            <a:spLocks noGrp="1"/>
+          </p:cNvSpPr>
+          <p:nvPr>
+            <p:ph idx="1"/>
+          </p:nvPr>
+        </p:nvSpPr>
+        <p:spPr>
+          <a:xfrm>
+            <a:off x="2184791" y="6138893"/>
+            <a:ext cx="7348754" cy="400110"/>
+          </a:xfrm>
+          <a:prstGeom prst="rect">
+            <a:avLst/>
+          </a:prstGeom>
+          <a:noFill/>
+        </p:spPr>
+        <p:txBody>
+          <a:bodyPr wrap="square" rtlCol="0">
+            <a:spAutoFit/>
+          </a:bodyPr>
+          <a:lstStyle/>
+          <a:p>
+            <a:pPr marL="0" indent="0">
+              <a:buNone/>
+            </a:pPr>
+            <a:r>
+              <a:rPr lang="fr-FR" u="sng" dirty="0" smtClean="0"/>
+              <a:t>Pour 20 </a:t>
+            </a:r>
+            <a:r>
+              <a:rPr lang="fr-FR" u="sng" dirty="0" smtClean="0"/>
+              <a:t>éléments </a:t>
+            </a:r>
+            <a:r>
+              <a:rPr lang="fr-FR" u="sng" dirty="0" smtClean="0"/>
+              <a:t>&gt; 2^20 = 1 </a:t>
+            </a:r>
+            <a:r>
+              <a:rPr lang="fr-FR" u="sng" dirty="0" smtClean="0"/>
+              <a:t>048 576 possibilités à tester !</a:t>
+            </a:r>
+            <a:endParaRPr lang="fr-FR" dirty="0"/>
+          </a:p>
+        </p:txBody>
+      </p:sp>
+    </p:spTree>
+    <p:extLst>
+      <p:ext uri="{BB962C8B-B14F-4D97-AF65-F5344CB8AC3E}">
+        <p14:creationId xmlns:p14="http://schemas.microsoft.com/office/powerpoint/2010/main" val="1811923168"/>
+      </p:ext>
+    </p:extLst>
+  </p:cSld>
+  <p:clrMapOvr>
+    <a:masterClrMapping/>
+  </p:clrMapOvr>
+  <p:timing>
+    <p:tnLst>
+      <p:par>
+        <p:cTn id="1" dur="indefinite" restart="never" nodeType="tmRoot"/>
+      </p:par>
+    </p:tnLst>
+  </p:timing>
+</p:sld>
+</file>
+
+<file path=ppt/slides/slide5.xml><?xml version="1.0" encoding="utf-8"?>
+<p:sld xmlns:a="http://schemas.openxmlformats.org/drawingml/2006/main" xmlns:r="http://schemas.openxmlformats.org/officeDocument/2006/relationships" xmlns:p="http://schemas.openxmlformats.org/presentationml/2006/main">
+  <p:cSld>
+    <p:spTree>
+      <p:nvGrpSpPr>
+        <p:cNvPr id="1" name=""/>
+        <p:cNvGrpSpPr/>
+        <p:nvPr/>
+      </p:nvGrpSpPr>
+      <p:grpSpPr>
+        <a:xfrm>
+          <a:off x="0" y="0"/>
+          <a:ext cx="0" cy="0"/>
+          <a:chOff x="0" y="0"/>
+          <a:chExt cx="0" cy="0"/>
+        </a:xfrm>
+      </p:grpSpPr>
+      <p:sp>
+        <p:nvSpPr>
+          <p:cNvPr id="2" name="Titre 1"/>
+          <p:cNvSpPr>
+            <a:spLocks noGrp="1"/>
+          </p:cNvSpPr>
+          <p:nvPr>
+            <p:ph type="title"/>
+          </p:nvPr>
+        </p:nvSpPr>
+        <p:spPr>
+          <a:xfrm>
+            <a:off x="1451454" y="3112028"/>
+            <a:ext cx="9404723" cy="1400530"/>
+          </a:xfrm>
+        </p:spPr>
+        <p:txBody>
+          <a:bodyPr/>
+          <a:lstStyle/>
+          <a:p>
+            <a:r>
+              <a:rPr lang="fr-FR" dirty="0" smtClean="0"/>
+              <a:t>Review du fichier ‘bruteforce.py’</a:t>
+            </a:r>
+            <a:endParaRPr lang="fr-FR" dirty="0"/>
+          </a:p>
+        </p:txBody>
+      </p:sp>
+    </p:spTree>
+    <p:extLst>
+      <p:ext uri="{BB962C8B-B14F-4D97-AF65-F5344CB8AC3E}">
+        <p14:creationId xmlns:p14="http://schemas.microsoft.com/office/powerpoint/2010/main" val="318118217"/>
+      </p:ext>
+    </p:extLst>
+  </p:cSld>
+  <p:clrMapOvr>
+    <a:masterClrMapping/>
+  </p:clrMapOvr>
+</p:sld>
+</file>
+
+<file path=ppt/slides/slide6.xml><?xml version="1.0" encoding="utf-8"?>
+<p:sld xmlns:a="http://schemas.openxmlformats.org/drawingml/2006/main" xmlns:r="http://schemas.openxmlformats.org/officeDocument/2006/relationships" xmlns:p="http://schemas.openxmlformats.org/presentationml/2006/main">
+  <p:cSld>
+    <p:spTree>
+      <p:nvGrpSpPr>
+        <p:cNvPr id="1" name=""/>
+        <p:cNvGrpSpPr/>
+        <p:nvPr/>
+      </p:nvGrpSpPr>
+      <p:grpSpPr>
+        <a:xfrm>
+          <a:off x="0" y="0"/>
+          <a:ext cx="0" cy="0"/>
+          <a:chOff x="0" y="0"/>
+          <a:chExt cx="0" cy="0"/>
+        </a:xfrm>
+      </p:grpSpPr>
+      <p:sp>
+        <p:nvSpPr>
+          <p:cNvPr id="2" name="Titre 1"/>
+          <p:cNvSpPr>
+            <a:spLocks noGrp="1"/>
+          </p:cNvSpPr>
+          <p:nvPr>
+            <p:ph type="title"/>
+          </p:nvPr>
+        </p:nvSpPr>
+        <p:spPr>
+          <a:xfrm>
+            <a:off x="150811" y="154808"/>
+            <a:ext cx="9840914" cy="1095151"/>
+          </a:xfrm>
+        </p:spPr>
+        <p:txBody>
+          <a:bodyPr/>
+          <a:lstStyle/>
+          <a:p>
+            <a:r>
+              <a:rPr lang="fr-FR" sz="3200" b="1" dirty="0" smtClean="0"/>
+              <a:t>Process Solution </a:t>
+            </a:r>
+            <a:r>
+              <a:rPr lang="fr-FR" sz="3200" b="1" dirty="0" smtClean="0"/>
+              <a:t>optimisée : </a:t>
+            </a:r>
+            <a:r>
+              <a:rPr lang="fr-FR" sz="3200" b="1" dirty="0" smtClean="0"/>
+              <a:t/>
+            </a:r>
+            <a:br>
+              <a:rPr lang="fr-FR" sz="3200" b="1" dirty="0" smtClean="0"/>
+            </a:br>
+            <a:r>
+              <a:rPr lang="fr-FR" sz="3200" b="1" dirty="0" smtClean="0"/>
+              <a:t>la </a:t>
+            </a:r>
+            <a:r>
+              <a:rPr lang="fr-FR" sz="3200" b="1" dirty="0" smtClean="0"/>
+              <a:t>programmation </a:t>
+            </a:r>
+            <a:r>
+              <a:rPr lang="fr-FR" sz="3200" b="1" dirty="0" smtClean="0"/>
+              <a:t>dynamique</a:t>
+            </a:r>
+            <a:endParaRPr lang="fr-FR" sz="3200" b="1" dirty="0"/>
+          </a:p>
+        </p:txBody>
+      </p:sp>
+      <p:sp>
+        <p:nvSpPr>
+          <p:cNvPr id="4" name="Titre 1"/>
           <p:cNvSpPr txBox="1">
             <a:spLocks/>
           </p:cNvSpPr>
@@ -6864,8 +7651,8 @@
         </p:nvSpPr>
         <p:spPr>
           <a:xfrm>
-            <a:off x="150812" y="1209675"/>
-            <a:ext cx="9085468" cy="5486400"/>
+            <a:off x="150811" y="1371600"/>
+            <a:ext cx="9337138" cy="5486400"/>
           </a:xfrm>
           <a:prstGeom prst="rect">
             <a:avLst/>
@@ -6982,7 +7769,23 @@
           <a:p>
             <a:r>
               <a:rPr lang="fr-FR" sz="1600" dirty="0" smtClean="0"/>
-              <a:t>Initialiser à 0 une ‘matrice’ avec ‘x’ ligne et ‘y’ colonnes:</a:t>
+              <a:t>Initialiser à 0 une ‘matrice’ avec ‘</a:t>
+            </a:r>
+            <a:r>
+              <a:rPr lang="fr-FR" sz="1600" dirty="0" smtClean="0"/>
+              <a:t>x+1’ </a:t>
+            </a:r>
+            <a:r>
+              <a:rPr lang="fr-FR" sz="1600" dirty="0" smtClean="0"/>
+              <a:t>ligne et ‘</a:t>
+            </a:r>
+            <a:r>
+              <a:rPr lang="fr-FR" sz="1600" dirty="0" smtClean="0"/>
+              <a:t>y+1’ </a:t>
+            </a:r>
+            <a:r>
+              <a:rPr lang="fr-FR" sz="1600" dirty="0" smtClean="0"/>
+              <a:t>colonnes:</a:t>
             </a:r>
           </a:p>
           <a:p>
@@ -6992,8 +7795,13 @@
             </a:pPr>
             <a:r>
               <a:rPr lang="fr-FR" sz="1600" dirty="0" smtClean="0"/>
-              <a:t>où ‘x’ représente le nombre d’élément +1 </a:t>
-            </a:r>
+              <a:t>où ‘x’ représente le nombre </a:t>
+            </a:r>
+            <a:r>
+              <a:rPr lang="fr-FR" sz="1600" dirty="0" smtClean="0"/>
+              <a:t>d’élément</a:t>
+            </a:r>
+            <a:endParaRPr lang="fr-FR" sz="1600" dirty="0" smtClean="0"/>
           </a:p>
           <a:p>
             <a:pPr marL="285750" indent="-285750">
@@ -7006,7 +7814,15 @@
             </a:r>
             <a:r>
               <a:rPr lang="fr-FR" sz="1600" dirty="0" smtClean="0"/>
-              <a:t>ù ‘y’ représente la capacité +1 du sac à dos</a:t>
+              <a:t>ù ‘y’ représente la </a:t>
+            </a:r>
+            <a:r>
+              <a:rPr lang="fr-FR" sz="1600" dirty="0" smtClean="0"/>
+              <a:t>capacité </a:t>
+            </a:r>
+            <a:r>
+              <a:rPr lang="fr-FR" sz="1600" dirty="0" smtClean="0"/>
+              <a:t>du sac à dos</a:t>
             </a:r>
           </a:p>
           <a:p>
@@ -7243,7 +8059,7 @@
       </p:sp>
       <p:sp>
         <p:nvSpPr>
-          <p:cNvPr id="4" name="Titre 1"/>
+          <p:cNvPr id="5" name="Titre 1"/>
           <p:cNvSpPr txBox="1">
             <a:spLocks/>
           </p:cNvSpPr>
@@ -7251,8 +8067,8 @@
         </p:nvSpPr>
         <p:spPr>
           <a:xfrm>
-            <a:off x="150811" y="1209675"/>
-            <a:ext cx="8808631" cy="5486400"/>
+            <a:off x="8959442" y="1342239"/>
+            <a:ext cx="3850546" cy="2936146"/>
           </a:xfrm>
           <a:prstGeom prst="rect">
             <a:avLst/>
@@ -7336,393 +8152,6 @@
           </a:lstStyle>
           <a:p>
             <a:r>
-              <a:rPr lang="fr-FR" sz="1600" dirty="0"/>
-              <a:t>n</a:t>
-            </a:r>
-            <a:r>
-              <a:rPr lang="fr-FR" sz="1600" dirty="0" smtClean="0"/>
-              <a:t>oms = [ élément 1, élément 2, …,  élément x ]</a:t>
-            </a:r>
-          </a:p>
-          <a:p>
-            <a:r>
-              <a:rPr lang="fr-FR" sz="1600" dirty="0" smtClean="0"/>
-              <a:t>poids = [ poids 1, poids 2, …, poids x ]</a:t>
-            </a:r>
-          </a:p>
-          <a:p>
-            <a:r>
-              <a:rPr lang="fr-FR" sz="1600" dirty="0"/>
-              <a:t>v</a:t>
-            </a:r>
-            <a:r>
-              <a:rPr lang="fr-FR" sz="1600" dirty="0" smtClean="0"/>
-              <a:t>aleurs = [ valeur 1, valeur 2, …, valeur x ]</a:t>
-            </a:r>
-          </a:p>
-          <a:p>
-            <a:endParaRPr lang="fr-FR" sz="1600" dirty="0" smtClean="0"/>
-          </a:p>
-          <a:p>
-            <a:endParaRPr lang="fr-FR" sz="1600" dirty="0" smtClean="0"/>
-          </a:p>
-          <a:p>
-            <a:r>
-              <a:rPr lang="fr-FR" sz="1600" dirty="0" smtClean="0"/>
-              <a:t>Initialiser à 0 une ‘matrice’ avec ‘x’ ligne et ‘y’ colonnes:</a:t>
-            </a:r>
-          </a:p>
-          <a:p>
-            <a:pPr marL="285750" indent="-285750">
-              <a:buFont typeface="Arial" panose="020B0604020202020204" pitchFamily="34" charset="0"/>
-              <a:buChar char="•"/>
-            </a:pPr>
-            <a:r>
-              <a:rPr lang="fr-FR" sz="1600" dirty="0" smtClean="0"/>
-              <a:t>où ‘x’ représente le nombre d’élément +1 </a:t>
-            </a:r>
-          </a:p>
-          <a:p>
-            <a:pPr marL="285750" indent="-285750">
-              <a:buFont typeface="Arial" panose="020B0604020202020204" pitchFamily="34" charset="0"/>
-              <a:buChar char="•"/>
-            </a:pPr>
-            <a:r>
-              <a:rPr lang="fr-FR" sz="1600" dirty="0"/>
-              <a:t>o</a:t>
-            </a:r>
-            <a:r>
-              <a:rPr lang="fr-FR" sz="1600" dirty="0" smtClean="0"/>
-              <a:t>ù ‘y’ représente la capacité +1 du sac à dos</a:t>
-            </a:r>
-          </a:p>
-          <a:p>
-            <a:endParaRPr lang="fr-FR" sz="1600" dirty="0"/>
-          </a:p>
-          <a:p>
-            <a:endParaRPr lang="fr-FR" sz="1600" dirty="0" smtClean="0"/>
-          </a:p>
-          <a:p>
-            <a:r>
-              <a:rPr lang="fr-FR" sz="1600" b="1" dirty="0"/>
-              <a:t>p</a:t>
-            </a:r>
-            <a:r>
-              <a:rPr lang="fr-FR" sz="1600" b="1" dirty="0" smtClean="0"/>
-              <a:t>our</a:t>
-            </a:r>
-            <a:r>
-              <a:rPr lang="fr-FR" sz="1600" dirty="0" smtClean="0"/>
-              <a:t> chaque éléments i de 0 à x + 1 :</a:t>
-            </a:r>
-          </a:p>
-          <a:p>
-            <a:r>
-              <a:rPr lang="fr-FR" sz="1600" dirty="0"/>
-              <a:t>	</a:t>
-            </a:r>
-            <a:r>
-              <a:rPr lang="fr-FR" sz="1600" b="1" dirty="0" smtClean="0"/>
-              <a:t>pour</a:t>
-            </a:r>
-            <a:r>
-              <a:rPr lang="fr-FR" sz="1600" dirty="0" smtClean="0"/>
-              <a:t> chaque capacité de sac à dos possible j de 0 à y +1 :</a:t>
-            </a:r>
-          </a:p>
-          <a:p>
-            <a:r>
-              <a:rPr lang="fr-FR" sz="1600" dirty="0"/>
-              <a:t>	</a:t>
-            </a:r>
-            <a:r>
-              <a:rPr lang="fr-FR" sz="1600" dirty="0" smtClean="0"/>
-              <a:t>	</a:t>
-            </a:r>
-            <a:r>
-              <a:rPr lang="fr-FR" sz="1600" b="1" dirty="0" smtClean="0"/>
-              <a:t>si</a:t>
-            </a:r>
-            <a:r>
-              <a:rPr lang="fr-FR" sz="1600" dirty="0" smtClean="0"/>
-              <a:t> le poids[ i – 1 ] &lt;=  j :</a:t>
-            </a:r>
-          </a:p>
-          <a:p>
-            <a:r>
-              <a:rPr lang="fr-FR" sz="1600" dirty="0" smtClean="0"/>
-              <a:t>			matrice[ i ][ j ] = max ( matrice[ i – 1 ][ j ], </a:t>
-            </a:r>
-          </a:p>
-          <a:p>
-            <a:r>
-              <a:rPr lang="fr-FR" sz="1600" dirty="0"/>
-              <a:t>	</a:t>
-            </a:r>
-            <a:r>
-              <a:rPr lang="fr-FR" sz="1600" dirty="0" smtClean="0"/>
-              <a:t>							matrice</a:t>
-            </a:r>
-            <a:r>
-              <a:rPr lang="en-US" sz="1600" dirty="0" smtClean="0"/>
-              <a:t> </a:t>
-            </a:r>
-            <a:r>
-              <a:rPr lang="fr-FR" sz="1600" dirty="0"/>
-              <a:t>[ i – 1 ] </a:t>
-            </a:r>
-            <a:r>
-              <a:rPr lang="en-US" sz="1600" dirty="0" smtClean="0"/>
-              <a:t>[ j</a:t>
-            </a:r>
-            <a:r>
-              <a:rPr lang="fr-FR" sz="1600" dirty="0"/>
-              <a:t> – </a:t>
-            </a:r>
-            <a:r>
-              <a:rPr lang="en-US" sz="1600" dirty="0" smtClean="0"/>
-              <a:t>poids</a:t>
-            </a:r>
-            <a:r>
-              <a:rPr lang="fr-FR" sz="1600" dirty="0" smtClean="0"/>
-              <a:t> </a:t>
-            </a:r>
-            <a:r>
-              <a:rPr lang="fr-FR" sz="1600" dirty="0"/>
-              <a:t>[ i – 1 </a:t>
-            </a:r>
-            <a:r>
-              <a:rPr lang="fr-FR" sz="1600" dirty="0" smtClean="0"/>
-              <a:t>]</a:t>
-            </a:r>
-            <a:r>
-              <a:rPr lang="en-US" sz="1600" dirty="0" smtClean="0"/>
-              <a:t>] </a:t>
-            </a:r>
-            <a:r>
-              <a:rPr lang="en-US" sz="1600" dirty="0"/>
-              <a:t>+ </a:t>
-            </a:r>
-            <a:r>
-              <a:rPr lang="en-US" sz="1600" dirty="0" smtClean="0"/>
-              <a:t>valeurs</a:t>
-            </a:r>
-            <a:r>
-              <a:rPr lang="fr-FR" sz="1600" dirty="0" smtClean="0"/>
-              <a:t> </a:t>
-            </a:r>
-            <a:r>
-              <a:rPr lang="fr-FR" sz="1600" dirty="0"/>
-              <a:t>[ i – 1 ]</a:t>
-            </a:r>
-            <a:r>
-              <a:rPr lang="fr-FR" sz="1600" dirty="0" smtClean="0"/>
-              <a:t> )	</a:t>
-            </a:r>
-          </a:p>
-          <a:p>
-            <a:r>
-              <a:rPr lang="fr-FR" sz="1600" dirty="0"/>
-              <a:t>	</a:t>
-            </a:r>
-            <a:r>
-              <a:rPr lang="fr-FR" sz="1600" dirty="0" smtClean="0"/>
-              <a:t>	</a:t>
-            </a:r>
-            <a:r>
-              <a:rPr lang="fr-FR" sz="1600" b="1" dirty="0" smtClean="0"/>
-              <a:t>sinon : </a:t>
-            </a:r>
-            <a:r>
-              <a:rPr lang="fr-FR" sz="1600" dirty="0"/>
-              <a:t>matrice[ i ][ j ] </a:t>
-            </a:r>
-            <a:r>
-              <a:rPr lang="fr-FR" sz="1600" dirty="0" smtClean="0"/>
-              <a:t>= </a:t>
-            </a:r>
-            <a:r>
-              <a:rPr lang="fr-FR" sz="1600" dirty="0"/>
-              <a:t>matrice[ i – 1 ][ j </a:t>
-            </a:r>
-            <a:r>
-              <a:rPr lang="fr-FR" sz="1600" dirty="0" smtClean="0"/>
-              <a:t>]</a:t>
-            </a:r>
-          </a:p>
-          <a:p>
-            <a:r>
-              <a:rPr lang="fr-FR" sz="1600" dirty="0"/>
-              <a:t>	</a:t>
-            </a:r>
-            <a:r>
-              <a:rPr lang="fr-FR" sz="1600" dirty="0" smtClean="0"/>
-              <a:t>	</a:t>
-            </a:r>
-            <a:r>
-              <a:rPr lang="fr-FR" sz="1600" b="1" dirty="0" smtClean="0"/>
-              <a:t>fin si</a:t>
-            </a:r>
-          </a:p>
-          <a:p>
-            <a:r>
-              <a:rPr lang="fr-FR" sz="1600" b="1" dirty="0"/>
-              <a:t>	</a:t>
-            </a:r>
-            <a:r>
-              <a:rPr lang="fr-FR" sz="1600" b="1" dirty="0" smtClean="0"/>
-              <a:t>fin pour</a:t>
-            </a:r>
-          </a:p>
-          <a:p>
-            <a:r>
-              <a:rPr lang="fr-FR" sz="1600" b="1" dirty="0"/>
-              <a:t>f</a:t>
-            </a:r>
-            <a:r>
-              <a:rPr lang="fr-FR" sz="1600" b="1" dirty="0" smtClean="0"/>
-              <a:t>in pour</a:t>
-            </a:r>
-          </a:p>
-          <a:p>
-            <a:endParaRPr lang="fr-FR" sz="1600" b="1" dirty="0"/>
-          </a:p>
-          <a:p>
-            <a:r>
-              <a:rPr lang="fr-FR" sz="1600" dirty="0" smtClean="0"/>
-              <a:t>valeur_maximum_sac_a_dos =  matrice</a:t>
-            </a:r>
-            <a:r>
-              <a:rPr lang="fr-FR" sz="1600" dirty="0"/>
-              <a:t>[ </a:t>
-            </a:r>
-            <a:r>
-              <a:rPr lang="fr-FR" sz="1600" dirty="0" smtClean="0"/>
-              <a:t>x </a:t>
-            </a:r>
-            <a:r>
-              <a:rPr lang="fr-FR" sz="1600" dirty="0"/>
-              <a:t>][ </a:t>
-            </a:r>
-            <a:r>
-              <a:rPr lang="fr-FR" sz="1600" dirty="0" smtClean="0"/>
-              <a:t>y ] </a:t>
-            </a:r>
-            <a:r>
-              <a:rPr lang="fr-FR" sz="1600" b="1" dirty="0" smtClean="0"/>
-              <a:t>										 </a:t>
-            </a:r>
-          </a:p>
-          <a:p>
-            <a:r>
-              <a:rPr lang="fr-FR" sz="1600" b="1" dirty="0"/>
-              <a:t>	</a:t>
-            </a:r>
-            <a:r>
-              <a:rPr lang="fr-FR" sz="1600" b="1" dirty="0" smtClean="0"/>
-              <a:t>	</a:t>
-            </a:r>
-          </a:p>
-          <a:p>
-            <a:endParaRPr lang="fr-FR" sz="1600" b="1" dirty="0"/>
-          </a:p>
-        </p:txBody>
-      </p:sp>
-      <p:sp>
-        <p:nvSpPr>
-          <p:cNvPr id="5" name="Titre 1"/>
-          <p:cNvSpPr txBox="1">
-            <a:spLocks/>
-          </p:cNvSpPr>
-          <p:nvPr/>
-        </p:nvSpPr>
-        <p:spPr>
-          <a:xfrm>
-            <a:off x="8959442" y="1342239"/>
-            <a:ext cx="3850546" cy="2936146"/>
-          </a:xfrm>
-          <a:prstGeom prst="rect">
-            <a:avLst/>
-          </a:prstGeom>
-        </p:spPr>
-        <p:txBody>
-          <a:bodyPr vert="horz" lIns="91440" tIns="45720" rIns="91440" bIns="45720" rtlCol="0" anchor="t">
-            <a:noAutofit/>
-          </a:bodyPr>
-          <a:lstStyle>
-            <a:lvl1pPr algn="l" defTabSz="457200" rtl="0" eaLnBrk="1" latinLnBrk="0" hangingPunct="1">
-              <a:spcBef>
-                <a:spcPct val="0"/>
-              </a:spcBef>
-              <a:buNone/>
-              <a:defRPr sz="4200" b="0" i="0" kern="1200">
-                <a:solidFill>
-                  <a:schemeClr val="tx2"/>
-                </a:solidFill>
-                <a:latin typeface="+mj-lt"/>
-                <a:ea typeface="+mj-ea"/>
-                <a:cs typeface="+mj-cs"/>
-              </a:defRPr>
-            </a:lvl1pPr>
-            <a:lvl2pPr eaLnBrk="1" hangingPunct="1">
-              <a:defRPr>
-                <a:solidFill>
-                  <a:schemeClr val="tx2"/>
-                </a:solidFill>
-              </a:defRPr>
-            </a:lvl2pPr>
-            <a:lvl3pPr eaLnBrk="1" hangingPunct="1">
-              <a:defRPr>
-                <a:solidFill>
-                  <a:schemeClr val="tx2"/>
-                </a:solidFill>
-              </a:defRPr>
-            </a:lvl3pPr>
-            <a:lvl4pPr eaLnBrk="1" hangingPunct="1">
-              <a:defRPr>
-                <a:solidFill>
-                  <a:schemeClr val="tx2"/>
-                </a:solidFill>
-              </a:defRPr>
-            </a:lvl4pPr>
-            <a:lvl5pPr eaLnBrk="1" hangingPunct="1">
-              <a:defRPr>
-                <a:solidFill>
-                  <a:schemeClr val="tx2"/>
-                </a:solidFill>
-              </a:defRPr>
-            </a:lvl5pPr>
-            <a:lvl6pPr eaLnBrk="1" hangingPunct="1">
-              <a:defRPr>
-                <a:solidFill>
-                  <a:schemeClr val="tx2"/>
-                </a:solidFill>
-              </a:defRPr>
-            </a:lvl6pPr>
-            <a:lvl7pPr eaLnBrk="1" hangingPunct="1">
-              <a:defRPr>
-                <a:solidFill>
-                  <a:schemeClr val="tx2"/>
-                </a:solidFill>
-              </a:defRPr>
-            </a:lvl7pPr>
-            <a:lvl8pPr eaLnBrk="1" hangingPunct="1">
-              <a:defRPr>
-                <a:solidFill>
-                  <a:schemeClr val="tx2"/>
-                </a:solidFill>
-              </a:defRPr>
-            </a:lvl8pPr>
-            <a:lvl9pPr eaLnBrk="1" hangingPunct="1">
-              <a:defRPr>
-                <a:solidFill>
-                  <a:schemeClr val="tx2"/>
-                </a:solidFill>
-              </a:defRPr>
-            </a:lvl9pPr>
-          </a:lstStyle>
-          <a:p>
-            <a:r>
               <a:rPr lang="fr-FR" sz="1800" u="sng" dirty="0">
                 <a:solidFill>
                   <a:schemeClr val="tx1"/>
@@ -7833,296 +8262,6 @@
     <p:extLst>
       <p:ext uri="{BB962C8B-B14F-4D97-AF65-F5344CB8AC3E}">
         <p14:creationId xmlns:p14="http://schemas.microsoft.com/office/powerpoint/2010/main" val="1186813075"/>
-      </p:ext>
-    </p:extLst>
-  </p:cSld>
-  <p:clrMapOvr>
-    <a:masterClrMapping/>
-  </p:clrMapOvr>
-  <p:timing>
-    <p:tnLst>
-      <p:par>
-        <p:cTn id="1" dur="indefinite" restart="never" nodeType="tmRoot"/>
-      </p:par>
-    </p:tnLst>
-  </p:timing>
-</p:sld>
-</file>
-
-<file path=ppt/slides/slide5.xml><?xml version="1.0" encoding="utf-8"?>
-<p:sld xmlns:a="http://schemas.openxmlformats.org/drawingml/2006/main" xmlns:r="http://schemas.openxmlformats.org/officeDocument/2006/relationships" xmlns:p="http://schemas.openxmlformats.org/presentationml/2006/main">
-  <p:cSld>
-    <p:spTree>
-      <p:nvGrpSpPr>
-        <p:cNvPr id="1" name=""/>
-        <p:cNvGrpSpPr/>
-        <p:nvPr/>
-      </p:nvGrpSpPr>
-      <p:grpSpPr>
-        <a:xfrm>
-          <a:off x="0" y="0"/>
-          <a:ext cx="0" cy="0"/>
-          <a:chOff x="0" y="0"/>
-          <a:chExt cx="0" cy="0"/>
-        </a:xfrm>
-      </p:grpSpPr>
-      <p:sp>
-        <p:nvSpPr>
-          <p:cNvPr id="2" name="Titre 1"/>
-          <p:cNvSpPr>
-            <a:spLocks noGrp="1"/>
-          </p:cNvSpPr>
-          <p:nvPr>
-            <p:ph type="title"/>
-          </p:nvPr>
-        </p:nvSpPr>
-        <p:spPr>
-          <a:xfrm>
-            <a:off x="0" y="144108"/>
-            <a:ext cx="9404723" cy="1400530"/>
-          </a:xfrm>
-        </p:spPr>
-        <p:txBody>
-          <a:bodyPr/>
-          <a:lstStyle/>
-          <a:p>
-            <a:r>
-              <a:rPr lang="fr-FR" sz="3200" b="1" dirty="0" smtClean="0"/>
-              <a:t>Complexité Programmation Dynamique</a:t>
-            </a:r>
-            <a:endParaRPr lang="fr-FR" sz="3200" b="1" dirty="0"/>
-          </a:p>
-        </p:txBody>
-      </p:sp>
-      <p:pic>
-        <p:nvPicPr>
-          <p:cNvPr id="7" name="Image 6"/>
-          <p:cNvPicPr>
-            <a:picLocks noChangeAspect="1"/>
-          </p:cNvPicPr>
-          <p:nvPr/>
-        </p:nvPicPr>
-        <p:blipFill rotWithShape="1">
-          <a:blip r:embed="rId2"/>
-          <a:srcRect l="561" r="1280"/>
-          <a:stretch/>
-        </p:blipFill>
-        <p:spPr>
-          <a:xfrm>
-            <a:off x="123825" y="844373"/>
-            <a:ext cx="9601200" cy="5247592"/>
-          </a:xfrm>
-          <a:prstGeom prst="rect">
-            <a:avLst/>
-          </a:prstGeom>
-        </p:spPr>
-      </p:pic>
-      <p:sp>
-        <p:nvSpPr>
-          <p:cNvPr id="8" name="Espace réservé du contenu 7"/>
-          <p:cNvSpPr txBox="1">
-            <a:spLocks noGrp="1"/>
-          </p:cNvSpPr>
-          <p:nvPr>
-            <p:ph idx="1"/>
-          </p:nvPr>
-        </p:nvSpPr>
-        <p:spPr>
-          <a:xfrm>
-            <a:off x="5088084" y="6282728"/>
-            <a:ext cx="5339432" cy="400110"/>
-          </a:xfrm>
-          <a:prstGeom prst="rect">
-            <a:avLst/>
-          </a:prstGeom>
-          <a:noFill/>
-        </p:spPr>
-        <p:txBody>
-          <a:bodyPr wrap="square" rtlCol="0">
-            <a:spAutoFit/>
-          </a:bodyPr>
-          <a:lstStyle/>
-          <a:p>
-            <a:pPr marL="0" indent="0">
-              <a:buNone/>
-            </a:pPr>
-            <a:r>
-              <a:rPr lang="fr-FR" u="sng" dirty="0"/>
-              <a:t>2</a:t>
-            </a:r>
-            <a:r>
-              <a:rPr lang="fr-FR" u="sng" dirty="0" smtClean="0"/>
-              <a:t>0 éléments = 400 possibilités à tester !</a:t>
-            </a:r>
-            <a:endParaRPr lang="fr-FR" dirty="0"/>
-          </a:p>
-        </p:txBody>
-      </p:sp>
-    </p:spTree>
-    <p:extLst>
-      <p:ext uri="{BB962C8B-B14F-4D97-AF65-F5344CB8AC3E}">
-        <p14:creationId xmlns:p14="http://schemas.microsoft.com/office/powerpoint/2010/main" val="427225975"/>
-      </p:ext>
-    </p:extLst>
-  </p:cSld>
-  <p:clrMapOvr>
-    <a:masterClrMapping/>
-  </p:clrMapOvr>
-  <p:timing>
-    <p:tnLst>
-      <p:par>
-        <p:cTn id="1" dur="indefinite" restart="never" nodeType="tmRoot"/>
-      </p:par>
-    </p:tnLst>
-  </p:timing>
-</p:sld>
-</file>
-
-<file path=ppt/slides/slide6.xml><?xml version="1.0" encoding="utf-8"?>
-<p:sld xmlns:a="http://schemas.openxmlformats.org/drawingml/2006/main" xmlns:r="http://schemas.openxmlformats.org/officeDocument/2006/relationships" xmlns:p="http://schemas.openxmlformats.org/presentationml/2006/main">
-  <p:cSld>
-    <p:spTree>
-      <p:nvGrpSpPr>
-        <p:cNvPr id="1" name=""/>
-        <p:cNvGrpSpPr/>
-        <p:nvPr/>
-      </p:nvGrpSpPr>
-      <p:grpSpPr>
-        <a:xfrm>
-          <a:off x="0" y="0"/>
-          <a:ext cx="0" cy="0"/>
-          <a:chOff x="0" y="0"/>
-          <a:chExt cx="0" cy="0"/>
-        </a:xfrm>
-      </p:grpSpPr>
-      <p:sp>
-        <p:nvSpPr>
-          <p:cNvPr id="2" name="Titre 1"/>
-          <p:cNvSpPr>
-            <a:spLocks noGrp="1"/>
-          </p:cNvSpPr>
-          <p:nvPr>
-            <p:ph type="title"/>
-          </p:nvPr>
-        </p:nvSpPr>
-        <p:spPr>
-          <a:xfrm>
-            <a:off x="150811" y="300318"/>
-            <a:ext cx="9840914" cy="747432"/>
-          </a:xfrm>
-        </p:spPr>
-        <p:txBody>
-          <a:bodyPr/>
-          <a:lstStyle/>
-          <a:p>
-            <a:r>
-              <a:rPr lang="fr-FR" sz="3200" b="1" dirty="0" smtClean="0"/>
-              <a:t>Solution optimisée : Les Limites</a:t>
-            </a:r>
-            <a:endParaRPr lang="fr-FR" sz="3200" b="1" dirty="0"/>
-          </a:p>
-        </p:txBody>
-      </p:sp>
-      <p:sp>
-        <p:nvSpPr>
-          <p:cNvPr id="4" name="ZoneTexte 3"/>
-          <p:cNvSpPr txBox="1"/>
-          <p:nvPr/>
-        </p:nvSpPr>
-        <p:spPr>
-          <a:xfrm>
-            <a:off x="342900" y="1664759"/>
-            <a:ext cx="6877050" cy="4247317"/>
-          </a:xfrm>
-          <a:prstGeom prst="rect">
-            <a:avLst/>
-          </a:prstGeom>
-          <a:noFill/>
-        </p:spPr>
-        <p:txBody>
-          <a:bodyPr wrap="square" rtlCol="0">
-            <a:spAutoFit/>
-          </a:bodyPr>
-          <a:lstStyle/>
-          <a:p>
-            <a:r>
-              <a:rPr lang="fr-FR" b="1" dirty="0" smtClean="0"/>
-              <a:t>complexité : O( xy )</a:t>
-            </a:r>
-          </a:p>
-          <a:p>
-            <a:endParaRPr lang="fr-FR" dirty="0" smtClean="0"/>
-          </a:p>
-          <a:p>
-            <a:endParaRPr lang="fr-FR" dirty="0" smtClean="0"/>
-          </a:p>
-          <a:p>
-            <a:r>
-              <a:rPr lang="fr-FR" u="sng" dirty="0" smtClean="0"/>
-              <a:t>Limites : </a:t>
-            </a:r>
-          </a:p>
-          <a:p>
-            <a:endParaRPr lang="fr-FR" u="sng" dirty="0"/>
-          </a:p>
-          <a:p>
-            <a:pPr marL="285750" indent="-285750">
-              <a:buFont typeface="Wingdings" panose="05000000000000000000" pitchFamily="2" charset="2"/>
-              <a:buChar char="Ø"/>
-            </a:pPr>
-            <a:r>
-              <a:rPr lang="fr-FR" dirty="0" smtClean="0"/>
-              <a:t>Ne permet pas d’obtenir toutes les combinaisons possible, uniquement la meilleure</a:t>
-            </a:r>
-          </a:p>
-          <a:p>
-            <a:endParaRPr lang="fr-FR" dirty="0" smtClean="0"/>
-          </a:p>
-          <a:p>
-            <a:pPr marL="285750" indent="-285750">
-              <a:buFont typeface="Wingdings" panose="05000000000000000000" pitchFamily="2" charset="2"/>
-              <a:buChar char="Ø"/>
-            </a:pPr>
-            <a:r>
-              <a:rPr lang="fr-FR" dirty="0" smtClean="0"/>
-              <a:t>Peut atteindre une complexité exponentielle si l’on prend en compte les sacs de capacité </a:t>
-            </a:r>
-            <a:r>
-              <a:rPr lang="fr-FR" dirty="0" smtClean="0"/>
-              <a:t>décimale, les prix décimaux ainsi que la possibilité d’acheter des fractions d’action</a:t>
-            </a:r>
-            <a:endParaRPr lang="fr-FR" dirty="0" smtClean="0"/>
-          </a:p>
-          <a:p>
-            <a:pPr marL="285750" indent="-285750">
-              <a:buFont typeface="Wingdings" panose="05000000000000000000" pitchFamily="2" charset="2"/>
-              <a:buChar char="Ø"/>
-            </a:pPr>
-            <a:endParaRPr lang="fr-FR" dirty="0"/>
-          </a:p>
-          <a:p>
-            <a:pPr marL="285750" indent="-285750">
-              <a:buFont typeface="Wingdings" panose="05000000000000000000" pitchFamily="2" charset="2"/>
-              <a:buChar char="Ø"/>
-            </a:pPr>
-            <a:r>
-              <a:rPr lang="fr-FR" dirty="0" smtClean="0"/>
-              <a:t>Risque de saturation de mémoire</a:t>
-            </a:r>
-          </a:p>
-          <a:p>
-            <a:pPr marL="285750" indent="-285750">
-              <a:buFont typeface="Wingdings" panose="05000000000000000000" pitchFamily="2" charset="2"/>
-              <a:buChar char="Ø"/>
-            </a:pPr>
-            <a:endParaRPr lang="fr-FR" u="sng" dirty="0" smtClean="0"/>
-          </a:p>
-        </p:txBody>
-      </p:sp>
-    </p:spTree>
-    <p:extLst>
-      <p:ext uri="{BB962C8B-B14F-4D97-AF65-F5344CB8AC3E}">
-        <p14:creationId xmlns:p14="http://schemas.microsoft.com/office/powerpoint/2010/main" val="1148724555"/>
       </p:ext>
     </p:extLst>
   </p:cSld>
@@ -8168,7 +8307,7 @@
         </p:nvSpPr>
         <p:spPr>
           <a:xfrm>
-            <a:off x="150811" y="300317"/>
+            <a:off x="150811" y="115759"/>
             <a:ext cx="9840914" cy="1023657"/>
           </a:xfrm>
         </p:spPr>
@@ -8186,7 +8325,7 @@
       </p:sp>
       <p:pic>
         <p:nvPicPr>
-          <p:cNvPr id="3" name="Image 2"/>
+          <p:cNvPr id="4" name="Image 3"/>
           <p:cNvPicPr>
             <a:picLocks noChangeAspect="1"/>
           </p:cNvPicPr>
@@ -8200,8 +8339,8 @@
         </p:blipFill>
         <p:spPr>
           <a:xfrm>
-            <a:off x="1880511" y="1556913"/>
-            <a:ext cx="7758789" cy="4874992"/>
+            <a:off x="2072845" y="1279773"/>
+            <a:ext cx="8371448" cy="5578227"/>
           </a:xfrm>
           <a:prstGeom prst="rect">
             <a:avLst/>
@@ -8257,85 +8396,38 @@
         </p:nvSpPr>
         <p:spPr>
           <a:xfrm>
-            <a:off x="251479" y="82203"/>
-            <a:ext cx="11216272" cy="1360703"/>
+            <a:off x="0" y="144108"/>
+            <a:ext cx="9404723" cy="879349"/>
           </a:xfrm>
         </p:spPr>
         <p:txBody>
           <a:bodyPr/>
           <a:lstStyle/>
           <a:p>
-            <a:pPr algn="ctr"/>
-            <a:r>
-              <a:rPr lang="fr-FR" sz="2800" b="1" dirty="0" smtClean="0"/>
-              <a:t>Comparaison sur dataset0.csv</a:t>
-            </a:r>
-            <a:br>
-              <a:rPr lang="fr-FR" sz="2800" b="1" dirty="0" smtClean="0"/>
-            </a:br>
-            <a:r>
-              <a:rPr lang="fr-FR" sz="2800" b="1" dirty="0" smtClean="0"/>
-              <a:t/>
-            </a:r>
-            <a:br>
-              <a:rPr lang="fr-FR" sz="2800" b="1" dirty="0" smtClean="0"/>
-            </a:br>
-            <a:r>
-              <a:rPr lang="fr-FR" sz="2800" b="1" dirty="0" smtClean="0"/>
-              <a:t>Brute Force 								 Solution Optimisée</a:t>
-            </a:r>
-            <a:endParaRPr lang="fr-FR" sz="2800" b="1" dirty="0"/>
-          </a:p>
-        </p:txBody>
-      </p:sp>
-      <p:pic>
-        <p:nvPicPr>
-          <p:cNvPr id="5" name="Image 4"/>
-          <p:cNvPicPr>
-            <a:picLocks noChangeAspect="1"/>
-          </p:cNvPicPr>
-          <p:nvPr/>
-        </p:nvPicPr>
-        <p:blipFill>
-          <a:blip r:embed="rId2"/>
-          <a:stretch>
-            <a:fillRect/>
-          </a:stretch>
-        </p:blipFill>
-        <p:spPr>
-          <a:xfrm>
-            <a:off x="0" y="1550933"/>
-            <a:ext cx="5849166" cy="2229161"/>
-          </a:xfrm>
-          <a:prstGeom prst="rect">
-            <a:avLst/>
-          </a:prstGeom>
-        </p:spPr>
-      </p:pic>
-      <p:pic>
-        <p:nvPicPr>
-          <p:cNvPr id="6" name="Image 5"/>
-          <p:cNvPicPr>
-            <a:picLocks noChangeAspect="1"/>
-          </p:cNvPicPr>
-          <p:nvPr/>
-        </p:nvPicPr>
-        <p:blipFill>
-          <a:blip r:embed="rId3"/>
-          <a:stretch>
-            <a:fillRect/>
-          </a:stretch>
-        </p:blipFill>
-        <p:spPr>
-          <a:xfrm>
-            <a:off x="0" y="3780094"/>
-            <a:ext cx="3818884" cy="3077906"/>
-          </a:xfrm>
-          <a:prstGeom prst="rect">
-            <a:avLst/>
-          </a:prstGeom>
-        </p:spPr>
-      </p:pic>
+            <a:r>
+              <a:rPr lang="fr-FR" sz="3200" b="1" dirty="0"/>
+              <a:t>Graph complexité :  </a:t>
+            </a:r>
+            <a:r>
+              <a:rPr lang="fr-FR" sz="3200" b="1" dirty="0" smtClean="0"/>
+              <a:t>Solution optimisée O</a:t>
+            </a:r>
+            <a:r>
+              <a:rPr lang="fr-FR" sz="3200" b="1" dirty="0"/>
+              <a:t>( </a:t>
+            </a:r>
+            <a:r>
+              <a:rPr lang="fr-FR" sz="3200" b="1" dirty="0" smtClean="0"/>
+              <a:t>xy </a:t>
+            </a:r>
+            <a:r>
+              <a:rPr lang="fr-FR" sz="3200" b="1" dirty="0"/>
+              <a:t>)</a:t>
+            </a:r>
+            <a:endParaRPr lang="fr-FR" sz="3200" b="1" dirty="0"/>
+          </a:p>
+        </p:txBody>
+      </p:sp>
       <p:pic>
         <p:nvPicPr>
           <p:cNvPr id="7" name="Image 6"/>
@@ -8345,48 +8437,286 @@
           <p:nvPr/>
         </p:nvPicPr>
         <p:blipFill rotWithShape="1">
-          <a:blip r:embed="rId4"/>
-          <a:srcRect b="2485"/>
+          <a:blip r:embed="rId2"/>
+          <a:srcRect l="561" r="1280"/>
           <a:stretch/>
         </p:blipFill>
         <p:spPr>
           <a:xfrm>
-            <a:off x="6436661" y="1550933"/>
-            <a:ext cx="5755339" cy="2229160"/>
+            <a:off x="83890" y="911484"/>
+            <a:ext cx="9364734" cy="5118350"/>
           </a:xfrm>
           <a:prstGeom prst="rect">
             <a:avLst/>
           </a:prstGeom>
         </p:spPr>
       </p:pic>
-      <p:pic>
-        <p:nvPicPr>
-          <p:cNvPr id="8" name="Image 7"/>
-          <p:cNvPicPr>
-            <a:picLocks noChangeAspect="1"/>
-          </p:cNvPicPr>
+      <p:sp>
+        <p:nvSpPr>
+          <p:cNvPr id="10" name="Espace réservé du contenu 7"/>
+          <p:cNvSpPr txBox="1">
+            <a:spLocks/>
+          </p:cNvSpPr>
           <p:nvPr/>
-        </p:nvPicPr>
-        <p:blipFill>
-          <a:blip r:embed="rId5"/>
-          <a:stretch>
-            <a:fillRect/>
-          </a:stretch>
-        </p:blipFill>
-        <p:spPr>
-          <a:xfrm>
-            <a:off x="8313490" y="3780093"/>
-            <a:ext cx="3878510" cy="3060231"/>
+        </p:nvSpPr>
+        <p:spPr>
+          <a:xfrm>
+            <a:off x="2340530" y="6315060"/>
+            <a:ext cx="7435264" cy="400110"/>
           </a:xfrm>
           <a:prstGeom prst="rect">
             <a:avLst/>
           </a:prstGeom>
-        </p:spPr>
-      </p:pic>
+          <a:noFill/>
+        </p:spPr>
+        <p:txBody>
+          <a:bodyPr vert="horz" wrap="square" lIns="91440" tIns="45720" rIns="91440" bIns="45720" rtlCol="0">
+            <a:spAutoFit/>
+          </a:bodyPr>
+          <a:lstStyle>
+            <a:lvl1pPr marL="342900" indent="-342900" algn="l" defTabSz="457200" rtl="0" eaLnBrk="1" latinLnBrk="0" hangingPunct="1">
+              <a:spcBef>
+                <a:spcPts val="1000"/>
+              </a:spcBef>
+              <a:spcAft>
+                <a:spcPts val="0"/>
+              </a:spcAft>
+              <a:buClr>
+                <a:schemeClr val="bg2">
+                  <a:lumMod val="40000"/>
+                  <a:lumOff val="60000"/>
+                </a:schemeClr>
+              </a:buClr>
+              <a:buSzPct val="80000"/>
+              <a:buFont typeface="Wingdings 3" charset="2"/>
+              <a:buChar char=""/>
+              <a:defRPr sz="2000" b="0" i="0" kern="1200">
+                <a:solidFill>
+                  <a:schemeClr val="tx1"/>
+                </a:solidFill>
+                <a:latin typeface="+mj-lt"/>
+                <a:ea typeface="+mj-ea"/>
+                <a:cs typeface="+mj-cs"/>
+              </a:defRPr>
+            </a:lvl1pPr>
+            <a:lvl2pPr marL="742950" indent="-285750" algn="l" defTabSz="457200" rtl="0" eaLnBrk="1" latinLnBrk="0" hangingPunct="1">
+              <a:spcBef>
+                <a:spcPts val="1000"/>
+              </a:spcBef>
+              <a:spcAft>
+                <a:spcPts val="0"/>
+              </a:spcAft>
+              <a:buClr>
+                <a:schemeClr val="bg2">
+                  <a:lumMod val="40000"/>
+                  <a:lumOff val="60000"/>
+                </a:schemeClr>
+              </a:buClr>
+              <a:buSzPct val="80000"/>
+              <a:buFont typeface="Wingdings 3" charset="2"/>
+              <a:buChar char=""/>
+              <a:defRPr sz="1800" b="0" i="0" kern="1200">
+                <a:solidFill>
+                  <a:schemeClr val="tx1"/>
+                </a:solidFill>
+                <a:latin typeface="+mj-lt"/>
+                <a:ea typeface="+mj-ea"/>
+                <a:cs typeface="+mj-cs"/>
+              </a:defRPr>
+            </a:lvl2pPr>
+            <a:lvl3pPr marL="1143000" indent="-228600" algn="l" defTabSz="457200" rtl="0" eaLnBrk="1" latinLnBrk="0" hangingPunct="1">
+              <a:spcBef>
+                <a:spcPts val="1000"/>
+              </a:spcBef>
+              <a:spcAft>
+                <a:spcPts val="0"/>
+              </a:spcAft>
+              <a:buClr>
+                <a:schemeClr val="bg2">
+                  <a:lumMod val="40000"/>
+                  <a:lumOff val="60000"/>
+                </a:schemeClr>
+              </a:buClr>
+              <a:buSzPct val="80000"/>
+              <a:buFont typeface="Wingdings 3" charset="2"/>
+              <a:buChar char=""/>
+              <a:defRPr sz="1600" b="0" i="0" kern="1200">
+                <a:solidFill>
+                  <a:schemeClr val="tx1"/>
+                </a:solidFill>
+                <a:latin typeface="+mj-lt"/>
+                <a:ea typeface="+mj-ea"/>
+                <a:cs typeface="+mj-cs"/>
+              </a:defRPr>
+            </a:lvl3pPr>
+            <a:lvl4pPr marL="1600200" indent="-228600" algn="l" defTabSz="457200" rtl="0" eaLnBrk="1" latinLnBrk="0" hangingPunct="1">
+              <a:spcBef>
+                <a:spcPts val="1000"/>
+              </a:spcBef>
+              <a:spcAft>
+                <a:spcPts val="0"/>
+              </a:spcAft>
+              <a:buClr>
+                <a:schemeClr val="bg2">
+                  <a:lumMod val="40000"/>
+                  <a:lumOff val="60000"/>
+                </a:schemeClr>
+              </a:buClr>
+              <a:buSzPct val="80000"/>
+              <a:buFont typeface="Wingdings 3" charset="2"/>
+              <a:buChar char=""/>
+              <a:defRPr sz="1400" b="0" i="0" kern="1200">
+                <a:solidFill>
+                  <a:schemeClr val="tx1"/>
+                </a:solidFill>
+                <a:latin typeface="+mj-lt"/>
+                <a:ea typeface="+mj-ea"/>
+                <a:cs typeface="+mj-cs"/>
+              </a:defRPr>
+            </a:lvl4pPr>
+            <a:lvl5pPr marL="2057400" indent="-228600" algn="l" defTabSz="457200" rtl="0" eaLnBrk="1" latinLnBrk="0" hangingPunct="1">
+              <a:spcBef>
+                <a:spcPts val="1000"/>
+              </a:spcBef>
+              <a:spcAft>
+                <a:spcPts val="0"/>
+              </a:spcAft>
+              <a:buClr>
+                <a:schemeClr val="bg2">
+                  <a:lumMod val="40000"/>
+                  <a:lumOff val="60000"/>
+                </a:schemeClr>
+              </a:buClr>
+              <a:buSzPct val="80000"/>
+              <a:buFont typeface="Wingdings 3" charset="2"/>
+              <a:buChar char=""/>
+              <a:defRPr sz="1400" b="0" i="0" kern="1200">
+                <a:solidFill>
+                  <a:schemeClr val="tx1"/>
+                </a:solidFill>
+                <a:latin typeface="+mj-lt"/>
+                <a:ea typeface="+mj-ea"/>
+                <a:cs typeface="+mj-cs"/>
+              </a:defRPr>
+            </a:lvl5pPr>
+            <a:lvl6pPr marL="2506000" indent="-228600" algn="l" defTabSz="457200" rtl="0" eaLnBrk="1" latinLnBrk="0" hangingPunct="1">
+              <a:spcBef>
+                <a:spcPts val="1000"/>
+              </a:spcBef>
+              <a:spcAft>
+                <a:spcPts val="0"/>
+              </a:spcAft>
+              <a:buClr>
+                <a:schemeClr val="bg2">
+                  <a:lumMod val="40000"/>
+                  <a:lumOff val="60000"/>
+                </a:schemeClr>
+              </a:buClr>
+              <a:buSzPct val="80000"/>
+              <a:buFont typeface="Wingdings 3" charset="2"/>
+              <a:buChar char=""/>
+              <a:defRPr sz="1400" b="0" i="0" kern="1200">
+                <a:solidFill>
+                  <a:schemeClr val="tx1"/>
+                </a:solidFill>
+                <a:latin typeface="+mj-lt"/>
+                <a:ea typeface="+mj-ea"/>
+                <a:cs typeface="+mj-cs"/>
+              </a:defRPr>
+            </a:lvl6pPr>
+            <a:lvl7pPr marL="2971800" indent="-228600" algn="l" defTabSz="457200" rtl="0" eaLnBrk="1" latinLnBrk="0" hangingPunct="1">
+              <a:spcBef>
+                <a:spcPts val="1000"/>
+              </a:spcBef>
+              <a:spcAft>
+                <a:spcPts val="0"/>
+              </a:spcAft>
+              <a:buClr>
+                <a:schemeClr val="bg2">
+                  <a:lumMod val="40000"/>
+                  <a:lumOff val="60000"/>
+                </a:schemeClr>
+              </a:buClr>
+              <a:buSzPct val="80000"/>
+              <a:buFont typeface="Wingdings 3" charset="2"/>
+              <a:buChar char=""/>
+              <a:defRPr sz="1400" b="0" i="0" kern="1200">
+                <a:solidFill>
+                  <a:schemeClr val="tx1"/>
+                </a:solidFill>
+                <a:latin typeface="+mj-lt"/>
+                <a:ea typeface="+mj-ea"/>
+                <a:cs typeface="+mj-cs"/>
+              </a:defRPr>
+            </a:lvl7pPr>
+            <a:lvl8pPr marL="3429000" indent="-228600" algn="l" defTabSz="457200" rtl="0" eaLnBrk="1" latinLnBrk="0" hangingPunct="1">
+              <a:spcBef>
+                <a:spcPts val="1000"/>
+              </a:spcBef>
+              <a:spcAft>
+                <a:spcPts val="0"/>
+              </a:spcAft>
+              <a:buClr>
+                <a:schemeClr val="bg2">
+                  <a:lumMod val="40000"/>
+                  <a:lumOff val="60000"/>
+                </a:schemeClr>
+              </a:buClr>
+              <a:buSzPct val="80000"/>
+              <a:buFont typeface="Wingdings 3" charset="2"/>
+              <a:buChar char=""/>
+              <a:defRPr sz="1400" b="0" i="0" kern="1200">
+                <a:solidFill>
+                  <a:schemeClr val="tx1"/>
+                </a:solidFill>
+                <a:latin typeface="+mj-lt"/>
+                <a:ea typeface="+mj-ea"/>
+                <a:cs typeface="+mj-cs"/>
+              </a:defRPr>
+            </a:lvl8pPr>
+            <a:lvl9pPr marL="3886200" indent="-228600" algn="l" defTabSz="457200" rtl="0" eaLnBrk="1" latinLnBrk="0" hangingPunct="1">
+              <a:spcBef>
+                <a:spcPts val="1000"/>
+              </a:spcBef>
+              <a:spcAft>
+                <a:spcPts val="0"/>
+              </a:spcAft>
+              <a:buClr>
+                <a:schemeClr val="bg2">
+                  <a:lumMod val="40000"/>
+                  <a:lumOff val="60000"/>
+                </a:schemeClr>
+              </a:buClr>
+              <a:buSzPct val="80000"/>
+              <a:buFont typeface="Wingdings 3" charset="2"/>
+              <a:buChar char=""/>
+              <a:defRPr sz="1400" b="0" i="0" kern="1200">
+                <a:solidFill>
+                  <a:schemeClr val="tx1"/>
+                </a:solidFill>
+                <a:latin typeface="+mj-lt"/>
+                <a:ea typeface="+mj-ea"/>
+                <a:cs typeface="+mj-cs"/>
+              </a:defRPr>
+            </a:lvl9pPr>
+          </a:lstStyle>
+          <a:p>
+            <a:pPr marL="0" indent="0">
+              <a:buFont typeface="Wingdings 3" charset="2"/>
+              <a:buNone/>
+            </a:pPr>
+            <a:r>
+              <a:rPr lang="fr-FR" u="sng" dirty="0" smtClean="0"/>
+              <a:t>Pour 20 éléments &gt; 20 x 500 =  10 000 possibilités à tester !</a:t>
+            </a:r>
+            <a:endParaRPr lang="fr-FR" dirty="0"/>
+          </a:p>
+        </p:txBody>
+      </p:sp>
     </p:spTree>
     <p:extLst>
       <p:ext uri="{BB962C8B-B14F-4D97-AF65-F5344CB8AC3E}">
-        <p14:creationId xmlns:p14="http://schemas.microsoft.com/office/powerpoint/2010/main" val="768218027"/>
+        <p14:creationId xmlns:p14="http://schemas.microsoft.com/office/powerpoint/2010/main" val="427225975"/>
       </p:ext>
     </p:extLst>
   </p:cSld>
@@ -8432,245 +8762,117 @@
         </p:nvSpPr>
         <p:spPr>
           <a:xfrm>
-            <a:off x="251479" y="82203"/>
-            <a:ext cx="11216272" cy="1167757"/>
+            <a:off x="150811" y="300318"/>
+            <a:ext cx="9840914" cy="747432"/>
           </a:xfrm>
         </p:spPr>
         <p:txBody>
           <a:bodyPr/>
           <a:lstStyle/>
           <a:p>
-            <a:pPr algn="ctr"/>
-            <a:r>
-              <a:rPr lang="fr-FR" sz="2800" b="1" dirty="0" smtClean="0"/>
-              <a:t>Comparaison sur dataset1.csv</a:t>
-            </a:r>
-            <a:br>
-              <a:rPr lang="fr-FR" sz="2800" b="1" dirty="0" smtClean="0"/>
-            </a:br>
-            <a:r>
-              <a:rPr lang="fr-FR" sz="2800" b="1" dirty="0" smtClean="0"/>
-              <a:t>Mes résultats 							 Résultat Sienna</a:t>
-            </a:r>
-            <a:endParaRPr lang="fr-FR" sz="2800" b="1" dirty="0"/>
-          </a:p>
-        </p:txBody>
-      </p:sp>
-      <p:pic>
-        <p:nvPicPr>
-          <p:cNvPr id="10" name="Image 9"/>
-          <p:cNvPicPr>
-            <a:picLocks noChangeAspect="1"/>
-          </p:cNvPicPr>
+            <a:r>
+              <a:rPr lang="fr-FR" sz="3200" b="1" dirty="0" smtClean="0"/>
+              <a:t>Solution optimisée : Les Limites</a:t>
+            </a:r>
+            <a:endParaRPr lang="fr-FR" sz="3200" b="1" dirty="0"/>
+          </a:p>
+        </p:txBody>
+      </p:sp>
+      <p:sp>
+        <p:nvSpPr>
+          <p:cNvPr id="4" name="ZoneTexte 3"/>
+          <p:cNvSpPr txBox="1"/>
           <p:nvPr/>
-        </p:nvPicPr>
-        <p:blipFill rotWithShape="1">
-          <a:blip r:embed="rId2"/>
-          <a:srcRect b="3815"/>
-          <a:stretch/>
-        </p:blipFill>
-        <p:spPr>
-          <a:xfrm>
-            <a:off x="0" y="1135198"/>
-            <a:ext cx="5582429" cy="2153287"/>
+        </p:nvSpPr>
+        <p:spPr>
+          <a:xfrm>
+            <a:off x="342900" y="1664759"/>
+            <a:ext cx="6877050" cy="4247317"/>
           </a:xfrm>
           <a:prstGeom prst="rect">
             <a:avLst/>
           </a:prstGeom>
-        </p:spPr>
-      </p:pic>
-      <p:pic>
-        <p:nvPicPr>
-          <p:cNvPr id="11" name="Image 10"/>
-          <p:cNvPicPr>
-            <a:picLocks noChangeAspect="1"/>
-          </p:cNvPicPr>
-          <p:nvPr/>
-        </p:nvPicPr>
-        <p:blipFill>
-          <a:blip r:embed="rId3"/>
-          <a:stretch>
-            <a:fillRect/>
-          </a:stretch>
-        </p:blipFill>
-        <p:spPr>
-          <a:xfrm>
-            <a:off x="42868" y="2659747"/>
-            <a:ext cx="5496692" cy="628738"/>
-          </a:xfrm>
-          <a:prstGeom prst="rect">
-            <a:avLst/>
-          </a:prstGeom>
-        </p:spPr>
-      </p:pic>
-      <p:pic>
-        <p:nvPicPr>
-          <p:cNvPr id="12" name="Image 11"/>
-          <p:cNvPicPr>
-            <a:picLocks noChangeAspect="1"/>
-          </p:cNvPicPr>
-          <p:nvPr/>
-        </p:nvPicPr>
-        <p:blipFill>
-          <a:blip r:embed="rId4"/>
-          <a:stretch>
-            <a:fillRect/>
-          </a:stretch>
-        </p:blipFill>
-        <p:spPr>
-          <a:xfrm>
-            <a:off x="42868" y="3288485"/>
-            <a:ext cx="2296057" cy="3540371"/>
-          </a:xfrm>
-          <a:prstGeom prst="rect">
-            <a:avLst/>
-          </a:prstGeom>
-        </p:spPr>
-      </p:pic>
-      <p:pic>
-        <p:nvPicPr>
-          <p:cNvPr id="13" name="Image 12"/>
-          <p:cNvPicPr>
-            <a:picLocks noChangeAspect="1"/>
-          </p:cNvPicPr>
-          <p:nvPr/>
-        </p:nvPicPr>
-        <p:blipFill>
-          <a:blip r:embed="rId5"/>
-          <a:stretch>
-            <a:fillRect/>
-          </a:stretch>
-        </p:blipFill>
-        <p:spPr>
-          <a:xfrm>
-            <a:off x="3409950" y="3324313"/>
-            <a:ext cx="1920562" cy="3415962"/>
-          </a:xfrm>
-          <a:prstGeom prst="rect">
-            <a:avLst/>
-          </a:prstGeom>
-        </p:spPr>
-      </p:pic>
-      <p:sp>
-        <p:nvSpPr>
-          <p:cNvPr id="15" name="Rectangle à coins arrondis 14"/>
-          <p:cNvSpPr/>
-          <p:nvPr/>
-        </p:nvSpPr>
-        <p:spPr>
-          <a:xfrm>
-            <a:off x="2433637" y="2695575"/>
-            <a:ext cx="976313" cy="528637"/>
-          </a:xfrm>
-          <a:prstGeom prst="roundRect">
-            <a:avLst/>
-          </a:prstGeom>
           <a:noFill/>
-          <a:ln w="50800">
-            <a:solidFill>
-              <a:srgbClr val="FF0000"/>
-            </a:solidFill>
-          </a:ln>
-        </p:spPr>
-        <p:style>
-          <a:lnRef idx="2">
-            <a:schemeClr val="accent1">
-              <a:shade val="50000"/>
-            </a:schemeClr>
-          </a:lnRef>
-          <a:fillRef idx="1">
-            <a:schemeClr val="accent1"/>
-          </a:fillRef>
-          <a:effectRef idx="0">
-            <a:schemeClr val="accent1"/>
-          </a:effectRef>
-          <a:fontRef idx="minor">
-            <a:schemeClr val="lt1"/>
-          </a:fontRef>
-        </p:style>
-        <p:txBody>
-          <a:bodyPr rtlCol="0" anchor="ctr"/>
+        </p:spPr>
+        <p:txBody>
+          <a:bodyPr wrap="square" rtlCol="0">
+            <a:spAutoFit/>
+          </a:bodyPr>
           <a:lstStyle/>
           <a:p>
-            <a:pPr algn="ctr"/>
-            <a:endParaRPr lang="fr-FR"/>
-          </a:p>
-        </p:txBody>
-      </p:sp>
-      <p:pic>
-        <p:nvPicPr>
-          <p:cNvPr id="16" name="Image 15"/>
-          <p:cNvPicPr>
-            <a:picLocks noChangeAspect="1"/>
-          </p:cNvPicPr>
-          <p:nvPr/>
-        </p:nvPicPr>
-        <p:blipFill>
-          <a:blip r:embed="rId6"/>
-          <a:stretch>
-            <a:fillRect/>
-          </a:stretch>
-        </p:blipFill>
-        <p:spPr>
-          <a:xfrm>
-            <a:off x="6851892" y="1232167"/>
-            <a:ext cx="4615859" cy="2926816"/>
-          </a:xfrm>
-          <a:prstGeom prst="rect">
-            <a:avLst/>
-          </a:prstGeom>
-        </p:spPr>
-      </p:pic>
-      <p:sp>
-        <p:nvSpPr>
-          <p:cNvPr id="14" name="Rectangle à coins arrondis 13"/>
-          <p:cNvSpPr/>
-          <p:nvPr/>
-        </p:nvSpPr>
-        <p:spPr>
-          <a:xfrm>
-            <a:off x="6915337" y="3131005"/>
-            <a:ext cx="3781237" cy="314960"/>
-          </a:xfrm>
-          <a:prstGeom prst="roundRect">
-            <a:avLst/>
-          </a:prstGeom>
-          <a:noFill/>
-          <a:ln w="50800">
-            <a:solidFill>
-              <a:srgbClr val="FF0000"/>
-            </a:solidFill>
-          </a:ln>
-        </p:spPr>
-        <p:style>
-          <a:lnRef idx="2">
-            <a:schemeClr val="accent1">
-              <a:shade val="50000"/>
-            </a:schemeClr>
-          </a:lnRef>
-          <a:fillRef idx="1">
-            <a:schemeClr val="accent1"/>
-          </a:fillRef>
-          <a:effectRef idx="0">
-            <a:schemeClr val="accent1"/>
-          </a:effectRef>
-          <a:fontRef idx="minor">
-            <a:schemeClr val="lt1"/>
-          </a:fontRef>
-        </p:style>
-        <p:txBody>
-          <a:bodyPr rtlCol="0" anchor="ctr"/>
-          <a:lstStyle/>
-          <a:p>
-            <a:pPr algn="ctr"/>
-            <a:endParaRPr lang="fr-FR"/>
+            <a:r>
+              <a:rPr lang="fr-FR" b="1" dirty="0" smtClean="0"/>
+              <a:t>complexité : O( xy )</a:t>
+            </a:r>
+          </a:p>
+          <a:p>
+            <a:endParaRPr lang="fr-FR" dirty="0" smtClean="0"/>
+          </a:p>
+          <a:p>
+            <a:endParaRPr lang="fr-FR" dirty="0" smtClean="0"/>
+          </a:p>
+          <a:p>
+            <a:r>
+              <a:rPr lang="fr-FR" u="sng" dirty="0" smtClean="0"/>
+              <a:t>Limites : </a:t>
+            </a:r>
+          </a:p>
+          <a:p>
+            <a:endParaRPr lang="fr-FR" u="sng" dirty="0"/>
+          </a:p>
+          <a:p>
+            <a:pPr marL="285750" indent="-285750">
+              <a:buFont typeface="Wingdings" panose="05000000000000000000" pitchFamily="2" charset="2"/>
+              <a:buChar char="Ø"/>
+            </a:pPr>
+            <a:r>
+              <a:rPr lang="fr-FR" dirty="0" smtClean="0"/>
+              <a:t>Ne permet pas d’obtenir toutes les combinaisons possible, uniquement la meilleure</a:t>
+            </a:r>
+          </a:p>
+          <a:p>
+            <a:endParaRPr lang="fr-FR" dirty="0" smtClean="0"/>
+          </a:p>
+          <a:p>
+            <a:pPr marL="285750" indent="-285750">
+              <a:buFont typeface="Wingdings" panose="05000000000000000000" pitchFamily="2" charset="2"/>
+              <a:buChar char="Ø"/>
+            </a:pPr>
+            <a:r>
+              <a:rPr lang="fr-FR" dirty="0" smtClean="0"/>
+              <a:t>Peut atteindre une complexité exponentielle si l’on prend en compte les sacs de capacité décimale, les prix décimaux ainsi que la possibilité d’acheter des fractions d’action</a:t>
+            </a:r>
+          </a:p>
+          <a:p>
+            <a:pPr marL="285750" indent="-285750">
+              <a:buFont typeface="Wingdings" panose="05000000000000000000" pitchFamily="2" charset="2"/>
+              <a:buChar char="Ø"/>
+            </a:pPr>
+            <a:endParaRPr lang="fr-FR" dirty="0"/>
+          </a:p>
+          <a:p>
+            <a:pPr marL="285750" indent="-285750">
+              <a:buFont typeface="Wingdings" panose="05000000000000000000" pitchFamily="2" charset="2"/>
+              <a:buChar char="Ø"/>
+            </a:pPr>
+            <a:r>
+              <a:rPr lang="fr-FR" dirty="0" smtClean="0"/>
+              <a:t>Risque de saturation de mémoire</a:t>
+            </a:r>
+          </a:p>
+          <a:p>
+            <a:pPr marL="285750" indent="-285750">
+              <a:buFont typeface="Wingdings" panose="05000000000000000000" pitchFamily="2" charset="2"/>
+              <a:buChar char="Ø"/>
+            </a:pPr>
+            <a:endParaRPr lang="fr-FR" u="sng" dirty="0" smtClean="0"/>
           </a:p>
         </p:txBody>
       </p:sp>
     </p:spTree>
     <p:extLst>
       <p:ext uri="{BB962C8B-B14F-4D97-AF65-F5344CB8AC3E}">
-        <p14:creationId xmlns:p14="http://schemas.microsoft.com/office/powerpoint/2010/main" val="3459111408"/>
+        <p14:creationId xmlns:p14="http://schemas.microsoft.com/office/powerpoint/2010/main" val="2012114510"/>
       </p:ext>
     </p:extLst>
   </p:cSld>
